--- a/keyb.pptx
+++ b/keyb.pptx
@@ -3870,7 +3870,7 @@
         <p:spPr bwMode="auto">
           <a:xfrm flipH="0" flipV="0">
             <a:off x="5602581" y="2146354"/>
-            <a:ext cx="986076" cy="274679"/>
+            <a:ext cx="986075" cy="274679"/>
           </a:xfrm>
           <a:prstGeom prst="rect">
             <a:avLst/>
@@ -6654,7 +6654,7 @@
         </p:nvSpPr>
         <p:spPr bwMode="auto">
           <a:xfrm flipH="0" flipV="0">
-            <a:off x="7965772" y="2479852"/>
+            <a:off x="7965772" y="2479851"/>
             <a:ext cx="997594" cy="259439"/>
           </a:xfrm>
           <a:prstGeom prst="rect">
@@ -6865,6 +6865,48 @@
               <a:t>*</a:t>
             </a:r>
             <a:endParaRPr sz="1100"/>
+          </a:p>
+        </p:txBody>
+      </p:sp>
+      <p:sp>
+        <p:nvSpPr>
+          <p:cNvPr id="2146998327" name=""/>
+          <p:cNvSpPr txBox="1"/>
+          <p:nvPr/>
+        </p:nvSpPr>
+        <p:spPr bwMode="auto">
+          <a:xfrm flipH="0" flipV="0">
+            <a:off x="3142149" y="2046145"/>
+            <a:ext cx="972647" cy="305159"/>
+          </a:xfrm>
+          <a:prstGeom prst="rect">
+            <a:avLst/>
+          </a:prstGeom>
+          <a:noFill/>
+        </p:spPr>
+        <p:txBody>
+          <a:bodyPr vertOverflow="overflow" horzOverflow="overflow" vert="horz" wrap="square" lIns="91440" tIns="45720" rIns="91440" bIns="45720" numCol="1" spcCol="0" rtlCol="0" fromWordArt="0" anchor="t" anchorCtr="0" forceAA="0" upright="0" compatLnSpc="0">
+            <a:spAutoFit/>
+          </a:bodyPr>
+          <a:p>
+            <a:pPr>
+              <a:defRPr/>
+            </a:pPr>
+            <a:r>
+              <a:rPr lang="en-US" sz="1400" b="0" i="0" u="none" strike="noStrike" cap="none" spc="0">
+                <a:solidFill>
+                  <a:schemeClr val="tx1"/>
+                </a:solidFill>
+                <a:highlight>
+                  <a:srgbClr val="00FFFF"/>
+                </a:highlight>
+                <a:latin typeface="Arial"/>
+                <a:ea typeface="Arial"/>
+                <a:cs typeface="Arial"/>
+              </a:rPr>
+              <a:t>ctrl_L</a:t>
+            </a:r>
+            <a:endParaRPr/>
           </a:p>
         </p:txBody>
       </p:sp>

--- a/keyb.pptx
+++ b/keyb.pptx
@@ -3182,6 +3182,13 @@
 <file path=ppt/slides/slide1.xml><?xml version="1.0" encoding="utf-8"?>
 <p:sld xmlns:a="http://schemas.openxmlformats.org/drawingml/2006/main" xmlns:r="http://schemas.openxmlformats.org/officeDocument/2006/relationships" xmlns:p="http://schemas.openxmlformats.org/presentationml/2006/main" xmlns:m="http://schemas.openxmlformats.org/officeDocument/2006/math" xmlns:w="http://schemas.openxmlformats.org/wordprocessingml/2006/main" showMasterPhAnim="0" show="1">
   <p:cSld name="">
+    <p:bg>
+      <p:bgPr shadeToTitle="0">
+        <a:solidFill>
+          <a:srgbClr val="FFC000"/>
+        </a:solidFill>
+      </p:bgPr>
+    </p:bg>
     <p:spTree>
       <p:nvGrpSpPr>
         <p:cNvPr id="1" name=""/>
@@ -4138,8 +4145,8 @@
         </p:nvSpPr>
         <p:spPr bwMode="auto">
           <a:xfrm flipH="0" flipV="0">
-            <a:off x="9204259" y="1640479"/>
-            <a:ext cx="411208" cy="366119"/>
+            <a:off x="9252365" y="1573130"/>
+            <a:ext cx="411927" cy="305159"/>
           </a:xfrm>
           <a:prstGeom prst="rect">
             <a:avLst/>
@@ -4155,7 +4162,7 @@
               <a:defRPr/>
             </a:pPr>
             <a:r>
-              <a:rPr>
+              <a:rPr sz="1400">
                 <a:highlight>
                   <a:srgbClr val="00FFFF"/>
                 </a:highlight>
@@ -4174,8 +4181,8 @@
         </p:nvSpPr>
         <p:spPr bwMode="auto">
           <a:xfrm flipH="0" flipV="0">
-            <a:off x="9077324" y="2040836"/>
-            <a:ext cx="793095" cy="366119"/>
+            <a:off x="9165984" y="1808302"/>
+            <a:ext cx="793814" cy="305159"/>
           </a:xfrm>
           <a:prstGeom prst="rect">
             <a:avLst/>
@@ -4191,7 +4198,7 @@
               <a:defRPr/>
             </a:pPr>
             <a:r>
-              <a:rPr sz="1200">
+              <a:rPr sz="1000">
                 <a:highlight>
                   <a:srgbClr val="00FFFF"/>
                 </a:highlight>
@@ -4199,7 +4206,7 @@
               <a:t>2x:</a:t>
             </a:r>
             <a:r>
-              <a:rPr>
+              <a:rPr sz="1400">
                 <a:highlight>
                   <a:srgbClr val="00FFFF"/>
                 </a:highlight>
@@ -4207,7 +4214,7 @@
               <a:t> </a:t>
             </a:r>
             <a:r>
-              <a:rPr lang="en-US" sz="1800" b="0" i="0" u="none" strike="noStrike" cap="none" spc="0">
+              <a:rPr lang="en-US" sz="1400" b="0" i="0" u="none" strike="noStrike" cap="none" spc="0">
                 <a:solidFill>
                   <a:schemeClr val="tx1"/>
                 </a:solidFill>
@@ -4220,7 +4227,7 @@
               </a:rPr>
               <a:t>ç</a:t>
             </a:r>
-            <a:endParaRPr>
+            <a:endParaRPr sz="1400">
               <a:highlight>
                 <a:srgbClr val="00FFFF"/>
               </a:highlight>
@@ -5888,7 +5895,7 @@
         </p:nvSpPr>
         <p:spPr bwMode="auto">
           <a:xfrm flipH="0" flipV="0">
-            <a:off x="7330618" y="3440606"/>
+            <a:off x="6993481" y="3474718"/>
             <a:ext cx="416965" cy="396599"/>
           </a:xfrm>
           <a:prstGeom prst="rect">
@@ -6530,8 +6537,8 @@
         </p:nvSpPr>
         <p:spPr bwMode="auto">
           <a:xfrm flipH="0" flipV="0">
-            <a:off x="11480798" y="1493518"/>
-            <a:ext cx="1084408" cy="274679"/>
+            <a:off x="10687046" y="2092669"/>
+            <a:ext cx="1086207" cy="244199"/>
           </a:xfrm>
           <a:prstGeom prst="rect">
             <a:avLst/>
@@ -6547,14 +6554,14 @@
               <a:defRPr/>
             </a:pPr>
             <a:r>
-              <a:rPr sz="1200">
+              <a:rPr sz="1000" b="1">
                 <a:highlight>
                   <a:srgbClr val="00FFFF"/>
                 </a:highlight>
               </a:rPr>
               <a:t>cheat sheet</a:t>
             </a:r>
-            <a:endParaRPr sz="1200">
+            <a:endParaRPr sz="1000" b="1">
               <a:highlight>
                 <a:srgbClr val="00FFFF"/>
               </a:highlight>
@@ -6907,6 +6914,454 @@
               <a:t>ctrl_L</a:t>
             </a:r>
             <a:endParaRPr/>
+          </a:p>
+        </p:txBody>
+      </p:sp>
+      <p:sp>
+        <p:nvSpPr>
+          <p:cNvPr id="932696318" name=""/>
+          <p:cNvSpPr/>
+          <p:nvPr/>
+        </p:nvSpPr>
+        <p:spPr bwMode="auto">
+          <a:xfrm flipH="0" flipV="0">
+            <a:off x="835025" y="1978470"/>
+            <a:ext cx="536572" cy="417652"/>
+          </a:xfrm>
+          <a:prstGeom prst="rect">
+            <a:avLst/>
+          </a:prstGeom>
+          <a:solidFill>
+            <a:srgbClr val="E532EB">
+              <a:alpha val="99999"/>
+            </a:srgbClr>
+          </a:solidFill>
+          <a:ln w="12700" cap="flat" cmpd="sng" algn="ctr">
+            <a:noFill/>
+            <a:prstDash val="solid"/>
+            <a:miter lim="800000"/>
+          </a:ln>
+        </p:spPr>
+        <p:style>
+          <a:lnRef idx="2">
+            <a:schemeClr val="accent1">
+              <a:shade val="50000"/>
+            </a:schemeClr>
+          </a:lnRef>
+          <a:fillRef idx="1">
+            <a:schemeClr val="accent1"/>
+          </a:fillRef>
+          <a:effectRef idx="0">
+            <a:schemeClr val="accent1"/>
+          </a:effectRef>
+          <a:fontRef idx="minor">
+            <a:schemeClr val="lt1"/>
+          </a:fontRef>
+        </p:style>
+        <p:txBody>
+          <a:bodyPr/>
+          <a:p>
+            <a:pPr>
+              <a:defRPr/>
+            </a:pPr>
+            <a:endParaRPr/>
+          </a:p>
+        </p:txBody>
+      </p:sp>
+      <p:sp>
+        <p:nvSpPr>
+          <p:cNvPr id="1650169284" name=""/>
+          <p:cNvSpPr txBox="1"/>
+          <p:nvPr/>
+        </p:nvSpPr>
+        <p:spPr bwMode="auto">
+          <a:xfrm flipH="0" flipV="0">
+            <a:off x="5533160" y="1936148"/>
+            <a:ext cx="943368" cy="259439"/>
+          </a:xfrm>
+          <a:prstGeom prst="rect">
+            <a:avLst/>
+          </a:prstGeom>
+          <a:noFill/>
+        </p:spPr>
+        <p:txBody>
+          <a:bodyPr vertOverflow="overflow" horzOverflow="overflow" vert="horz" wrap="square" lIns="91440" tIns="45720" rIns="91440" bIns="45720" numCol="1" spcCol="0" rtlCol="0" fromWordArt="0" anchor="t" anchorCtr="0" forceAA="0" upright="0" compatLnSpc="0">
+            <a:spAutoFit/>
+          </a:bodyPr>
+          <a:p>
+            <a:pPr>
+              <a:defRPr/>
+            </a:pPr>
+            <a:r>
+              <a:rPr lang="en-US" sz="1100" b="0" i="0" u="none" strike="noStrike" cap="none" spc="0">
+                <a:solidFill>
+                  <a:schemeClr val="tx1"/>
+                </a:solidFill>
+                <a:highlight>
+                  <a:srgbClr val="FF0000"/>
+                </a:highlight>
+                <a:latin typeface="Arial"/>
+                <a:ea typeface="Arial"/>
+                <a:cs typeface="Arial"/>
+              </a:rPr>
+              <a:t>vol_up</a:t>
+            </a:r>
+            <a:endParaRPr sz="1400">
+              <a:highlight>
+                <a:srgbClr val="FF0000"/>
+              </a:highlight>
+            </a:endParaRPr>
+          </a:p>
+        </p:txBody>
+      </p:sp>
+      <p:sp>
+        <p:nvSpPr>
+          <p:cNvPr id="951882347" name=""/>
+          <p:cNvSpPr txBox="1"/>
+          <p:nvPr/>
+        </p:nvSpPr>
+        <p:spPr bwMode="auto">
+          <a:xfrm flipH="0" flipV="0">
+            <a:off x="5934070" y="2885614"/>
+            <a:ext cx="945888" cy="259439"/>
+          </a:xfrm>
+          <a:prstGeom prst="rect">
+            <a:avLst/>
+          </a:prstGeom>
+          <a:noFill/>
+        </p:spPr>
+        <p:txBody>
+          <a:bodyPr vertOverflow="overflow" horzOverflow="overflow" vert="horz" wrap="square" lIns="91440" tIns="45720" rIns="91440" bIns="45720" numCol="1" spcCol="0" rtlCol="0" fromWordArt="0" anchor="t" anchorCtr="0" forceAA="0" upright="0" compatLnSpc="0">
+            <a:spAutoFit/>
+          </a:bodyPr>
+          <a:p>
+            <a:pPr>
+              <a:defRPr/>
+            </a:pPr>
+            <a:r>
+              <a:rPr lang="en-US" sz="1100" b="0" i="0" u="none" strike="noStrike" cap="none" spc="0">
+                <a:solidFill>
+                  <a:schemeClr val="tx1"/>
+                </a:solidFill>
+                <a:highlight>
+                  <a:srgbClr val="FF0000"/>
+                </a:highlight>
+                <a:latin typeface="Arial"/>
+                <a:ea typeface="Arial"/>
+                <a:cs typeface="Arial"/>
+              </a:rPr>
+              <a:t>vol_down</a:t>
+            </a:r>
+            <a:endParaRPr sz="1400">
+              <a:highlight>
+                <a:srgbClr val="FF0000"/>
+              </a:highlight>
+            </a:endParaRPr>
+          </a:p>
+        </p:txBody>
+      </p:sp>
+      <p:sp>
+        <p:nvSpPr>
+          <p:cNvPr id="1252321169" name=""/>
+          <p:cNvSpPr txBox="1"/>
+          <p:nvPr/>
+        </p:nvSpPr>
+        <p:spPr bwMode="auto">
+          <a:xfrm flipH="0" flipV="0">
+            <a:off x="5983137" y="1945098"/>
+            <a:ext cx="945888" cy="259439"/>
+          </a:xfrm>
+          <a:prstGeom prst="rect">
+            <a:avLst/>
+          </a:prstGeom>
+          <a:noFill/>
+        </p:spPr>
+        <p:txBody>
+          <a:bodyPr vertOverflow="overflow" horzOverflow="overflow" vert="horz" wrap="square" lIns="91440" tIns="45720" rIns="91440" bIns="45720" numCol="1" spcCol="0" rtlCol="0" fromWordArt="0" anchor="t" anchorCtr="0" forceAA="0" upright="0" compatLnSpc="0">
+            <a:spAutoFit/>
+          </a:bodyPr>
+          <a:p>
+            <a:pPr>
+              <a:defRPr/>
+            </a:pPr>
+            <a:r>
+              <a:rPr lang="en-US" sz="1100" b="0" i="0" u="none" strike="noStrike" cap="none" spc="0">
+                <a:solidFill>
+                  <a:schemeClr val="tx1"/>
+                </a:solidFill>
+                <a:highlight>
+                  <a:srgbClr val="FF00FF"/>
+                </a:highlight>
+                <a:latin typeface="Arial"/>
+                <a:ea typeface="Arial"/>
+                <a:cs typeface="Arial"/>
+              </a:rPr>
+              <a:t>back</a:t>
+            </a:r>
+            <a:endParaRPr sz="1400">
+              <a:highlight>
+                <a:srgbClr val="FF0000"/>
+              </a:highlight>
+            </a:endParaRPr>
+          </a:p>
+        </p:txBody>
+      </p:sp>
+      <p:sp>
+        <p:nvSpPr>
+          <p:cNvPr id="1474675657" name=""/>
+          <p:cNvSpPr/>
+          <p:nvPr/>
+        </p:nvSpPr>
+        <p:spPr bwMode="auto">
+          <a:xfrm flipH="0" flipV="0">
+            <a:off x="7457239" y="3505198"/>
+            <a:ext cx="536572" cy="417651"/>
+          </a:xfrm>
+          <a:prstGeom prst="rect">
+            <a:avLst/>
+          </a:prstGeom>
+          <a:solidFill>
+            <a:srgbClr val="E532EB">
+              <a:alpha val="99999"/>
+            </a:srgbClr>
+          </a:solidFill>
+          <a:ln w="12700" cap="flat" cmpd="sng" algn="ctr">
+            <a:noFill/>
+            <a:prstDash val="solid"/>
+            <a:miter lim="800000"/>
+          </a:ln>
+        </p:spPr>
+        <p:style>
+          <a:lnRef idx="2">
+            <a:schemeClr val="accent1">
+              <a:shade val="50000"/>
+            </a:schemeClr>
+          </a:lnRef>
+          <a:fillRef idx="1">
+            <a:schemeClr val="accent1"/>
+          </a:fillRef>
+          <a:effectRef idx="0">
+            <a:schemeClr val="accent1"/>
+          </a:effectRef>
+          <a:fontRef idx="minor">
+            <a:schemeClr val="lt1"/>
+          </a:fontRef>
+        </p:style>
+        <p:txBody>
+          <a:bodyPr/>
+          <a:p>
+            <a:pPr>
+              <a:defRPr/>
+            </a:pPr>
+            <a:endParaRPr/>
+          </a:p>
+        </p:txBody>
+      </p:sp>
+      <p:sp>
+        <p:nvSpPr>
+          <p:cNvPr id="251265959" name=""/>
+          <p:cNvSpPr txBox="1"/>
+          <p:nvPr/>
+        </p:nvSpPr>
+        <p:spPr bwMode="auto">
+          <a:xfrm flipH="0" flipV="0">
+            <a:off x="8420098" y="1916424"/>
+            <a:ext cx="947688" cy="259439"/>
+          </a:xfrm>
+          <a:prstGeom prst="rect">
+            <a:avLst/>
+          </a:prstGeom>
+          <a:noFill/>
+        </p:spPr>
+        <p:txBody>
+          <a:bodyPr vertOverflow="overflow" horzOverflow="overflow" vert="horz" wrap="square" lIns="91440" tIns="45720" rIns="91440" bIns="45720" numCol="1" spcCol="0" rtlCol="0" fromWordArt="0" anchor="t" anchorCtr="0" forceAA="0" upright="0" compatLnSpc="0">
+            <a:spAutoFit/>
+          </a:bodyPr>
+          <a:p>
+            <a:pPr>
+              <a:defRPr/>
+            </a:pPr>
+            <a:r>
+              <a:rPr lang="en-US" sz="1100" b="0" i="0" u="none" strike="noStrike" cap="none" spc="0">
+                <a:solidFill>
+                  <a:schemeClr val="tx1"/>
+                </a:solidFill>
+                <a:highlight>
+                  <a:srgbClr val="FF00FF"/>
+                </a:highlight>
+                <a:latin typeface="Arial"/>
+                <a:ea typeface="Arial"/>
+                <a:cs typeface="Arial"/>
+              </a:rPr>
+              <a:t>del</a:t>
+            </a:r>
+            <a:endParaRPr sz="1400">
+              <a:highlight>
+                <a:srgbClr val="FF0000"/>
+              </a:highlight>
+            </a:endParaRPr>
+          </a:p>
+        </p:txBody>
+      </p:sp>
+      <p:sp>
+        <p:nvSpPr>
+          <p:cNvPr id="381929603" name=""/>
+          <p:cNvSpPr txBox="1"/>
+          <p:nvPr/>
+        </p:nvSpPr>
+        <p:spPr bwMode="auto">
+          <a:xfrm flipH="0" flipV="0">
+            <a:off x="7504022" y="1920236"/>
+            <a:ext cx="950928" cy="259439"/>
+          </a:xfrm>
+          <a:prstGeom prst="rect">
+            <a:avLst/>
+          </a:prstGeom>
+          <a:noFill/>
+        </p:spPr>
+        <p:txBody>
+          <a:bodyPr vertOverflow="overflow" horzOverflow="overflow" vert="horz" wrap="square" lIns="91440" tIns="45720" rIns="91440" bIns="45720" numCol="1" spcCol="0" rtlCol="0" fromWordArt="0" anchor="t" anchorCtr="0" forceAA="0" upright="0" compatLnSpc="0">
+            <a:spAutoFit/>
+          </a:bodyPr>
+          <a:p>
+            <a:pPr>
+              <a:defRPr/>
+            </a:pPr>
+            <a:r>
+              <a:rPr lang="en-US" sz="1100" b="0" i="0" u="none" strike="noStrike" cap="none" spc="0">
+                <a:solidFill>
+                  <a:schemeClr val="tx1"/>
+                </a:solidFill>
+                <a:highlight>
+                  <a:srgbClr val="FF00FF"/>
+                </a:highlight>
+                <a:latin typeface="Arial"/>
+                <a:ea typeface="Arial"/>
+                <a:cs typeface="Arial"/>
+              </a:rPr>
+              <a:t>nxt_tab</a:t>
+            </a:r>
+            <a:endParaRPr sz="1400">
+              <a:highlight>
+                <a:srgbClr val="FF0000"/>
+              </a:highlight>
+            </a:endParaRPr>
+          </a:p>
+        </p:txBody>
+      </p:sp>
+      <p:sp>
+        <p:nvSpPr>
+          <p:cNvPr id="2034788539" name=""/>
+          <p:cNvSpPr txBox="1"/>
+          <p:nvPr/>
+        </p:nvSpPr>
+        <p:spPr bwMode="auto">
+          <a:xfrm flipH="0" flipV="0">
+            <a:off x="6542351" y="1891468"/>
+            <a:ext cx="958128" cy="259439"/>
+          </a:xfrm>
+          <a:prstGeom prst="rect">
+            <a:avLst/>
+          </a:prstGeom>
+          <a:noFill/>
+        </p:spPr>
+        <p:txBody>
+          <a:bodyPr vertOverflow="overflow" horzOverflow="overflow" vert="horz" wrap="square" lIns="91440" tIns="45720" rIns="91440" bIns="45720" numCol="1" spcCol="0" rtlCol="0" fromWordArt="0" anchor="t" anchorCtr="0" forceAA="0" upright="0" compatLnSpc="0">
+            <a:spAutoFit/>
+          </a:bodyPr>
+          <a:p>
+            <a:pPr>
+              <a:defRPr/>
+            </a:pPr>
+            <a:r>
+              <a:rPr lang="en-US" sz="1100" b="0" i="0" u="none" strike="noStrike" cap="none" spc="0">
+                <a:solidFill>
+                  <a:schemeClr val="tx1"/>
+                </a:solidFill>
+                <a:highlight>
+                  <a:srgbClr val="FF00FF"/>
+                </a:highlight>
+                <a:latin typeface="Arial"/>
+                <a:ea typeface="Arial"/>
+                <a:cs typeface="Arial"/>
+              </a:rPr>
+              <a:t>prev_tab</a:t>
+            </a:r>
+            <a:endParaRPr sz="1400">
+              <a:highlight>
+                <a:srgbClr val="FF0000"/>
+              </a:highlight>
+            </a:endParaRPr>
+          </a:p>
+        </p:txBody>
+      </p:sp>
+      <p:sp>
+        <p:nvSpPr>
+          <p:cNvPr id="387306465" name=""/>
+          <p:cNvSpPr txBox="1"/>
+          <p:nvPr/>
+        </p:nvSpPr>
+        <p:spPr bwMode="auto">
+          <a:xfrm flipH="0" flipV="0">
+            <a:off x="9145202" y="2047292"/>
+            <a:ext cx="802454" cy="305159"/>
+          </a:xfrm>
+          <a:prstGeom prst="rect">
+            <a:avLst/>
+          </a:prstGeom>
+          <a:noFill/>
+        </p:spPr>
+        <p:txBody>
+          <a:bodyPr vertOverflow="overflow" horzOverflow="overflow" vert="horz" wrap="square" lIns="91440" tIns="45720" rIns="91440" bIns="45720" numCol="1" spcCol="0" rtlCol="0" fromWordArt="0" anchor="t" anchorCtr="0" forceAA="0" upright="0" compatLnSpc="0">
+            <a:spAutoFit/>
+          </a:bodyPr>
+          <a:p>
+            <a:pPr>
+              <a:defRPr/>
+            </a:pPr>
+            <a:r>
+              <a:rPr sz="1000">
+                <a:highlight>
+                  <a:srgbClr val="00FFFF"/>
+                </a:highlight>
+              </a:rPr>
+              <a:t>3</a:t>
+            </a:r>
+            <a:r>
+              <a:rPr sz="1000">
+                <a:highlight>
+                  <a:srgbClr val="00FFFF"/>
+                </a:highlight>
+              </a:rPr>
+              <a:t>x:</a:t>
+            </a:r>
+            <a:r>
+              <a:rPr sz="1400">
+                <a:highlight>
+                  <a:srgbClr val="00FFFF"/>
+                </a:highlight>
+              </a:rPr>
+              <a:t> </a:t>
+            </a:r>
+            <a:r>
+              <a:rPr lang="af-ZA" sz="1400" b="0" i="0" u="none" strike="noStrike" cap="none" spc="0">
+                <a:solidFill>
+                  <a:schemeClr val="tx1"/>
+                </a:solidFill>
+                <a:highlight>
+                  <a:srgbClr val="00FFFF"/>
+                </a:highlight>
+                <a:latin typeface="Arial"/>
+                <a:ea typeface="Arial"/>
+                <a:cs typeface="Arial"/>
+              </a:rPr>
+              <a:t>ô</a:t>
+            </a:r>
+            <a:endParaRPr sz="1400">
+              <a:highlight>
+                <a:srgbClr val="00FFFF"/>
+              </a:highlight>
+            </a:endParaRPr>
           </a:p>
         </p:txBody>
       </p:sp>

--- a/keyb.pptx
+++ b/keyb.pptx
@@ -4,8 +4,11 @@
   <p:sldMasterIdLst>
     <p:sldMasterId id="2147483648" r:id="rId1"/>
   </p:sldMasterIdLst>
+  <p:notesMasterIdLst>
+    <p:notesMasterId r:id="rId5"/>
+  </p:notesMasterIdLst>
   <p:sldIdLst>
-    <p:sldId id="256" r:id="rId3"/>
+    <p:sldId id="256" r:id="rId4"/>
   </p:sldIdLst>
   <p:sldSz cx="12193200" cy="4064400"/>
   <p:notesSz cx="12193200" cy="4064400"/>
@@ -105,6 +108,408 @@
     </a:lvl9pPr>
   </p:defaultTextStyle>
 </p:presentation>
+</file>
+
+<file path=ppt/notesMasters/notesMaster1.xml><?xml version="1.0" encoding="utf-8"?>
+<p:notesMaster xmlns:a="http://schemas.openxmlformats.org/drawingml/2006/main" xmlns:r="http://schemas.openxmlformats.org/officeDocument/2006/relationships" xmlns:p="http://schemas.openxmlformats.org/presentationml/2006/main">
+  <p:cSld name="">
+    <p:bg>
+      <p:bgRef idx="1001">
+        <a:schemeClr val="bg1"/>
+      </p:bgRef>
+    </p:bg>
+    <p:spTree>
+      <p:nvGrpSpPr>
+        <p:cNvPr id="1" name=""/>
+        <p:cNvGrpSpPr/>
+        <p:nvPr/>
+      </p:nvGrpSpPr>
+      <p:grpSpPr bwMode="auto">
+        <a:xfrm>
+          <a:off x="0" y="0"/>
+          <a:ext cx="0" cy="0"/>
+          <a:chOff x="0" y="0"/>
+          <a:chExt cx="0" cy="0"/>
+        </a:xfrm>
+      </p:grpSpPr>
+      <p:sp>
+        <p:nvSpPr>
+          <p:cNvPr id="2" name="Header Placeholder 1"/>
+          <p:cNvSpPr>
+            <a:spLocks noGrp="1"/>
+          </p:cNvSpPr>
+          <p:nvPr>
+            <p:ph type="hdr" sz="quarter"/>
+          </p:nvPr>
+        </p:nvSpPr>
+        <p:spPr bwMode="auto">
+          <a:xfrm>
+            <a:off x="0" y="0"/>
+            <a:ext cx="2971800" cy="458788"/>
+          </a:xfrm>
+          <a:prstGeom prst="rect">
+            <a:avLst/>
+          </a:prstGeom>
+        </p:spPr>
+        <p:txBody>
+          <a:bodyPr vert="horz" lIns="91440" tIns="45720" rIns="91440" bIns="45720" rtlCol="0" anchor="ctr"/>
+          <a:lstStyle>
+            <a:lvl1pPr algn="l">
+              <a:defRPr sz="1200"/>
+            </a:lvl1pPr>
+          </a:lstStyle>
+          <a:p>
+            <a:pPr>
+              <a:defRPr/>
+            </a:pPr>
+            <a:endParaRPr/>
+          </a:p>
+        </p:txBody>
+      </p:sp>
+      <p:sp>
+        <p:nvSpPr>
+          <p:cNvPr id="3" name="Date Placeholder 2"/>
+          <p:cNvSpPr>
+            <a:spLocks noGrp="1"/>
+          </p:cNvSpPr>
+          <p:nvPr>
+            <p:ph type="dt" idx="2"/>
+          </p:nvPr>
+        </p:nvSpPr>
+        <p:spPr bwMode="auto">
+          <a:xfrm>
+            <a:off x="3884613" y="0"/>
+            <a:ext cx="2971800" cy="458788"/>
+          </a:xfrm>
+          <a:prstGeom prst="rect">
+            <a:avLst/>
+          </a:prstGeom>
+        </p:spPr>
+        <p:txBody>
+          <a:bodyPr vert="horz" lIns="91440" tIns="45720" rIns="91440" bIns="45720" rtlCol="0" anchor="ctr"/>
+          <a:lstStyle>
+            <a:lvl1pPr algn="r">
+              <a:defRPr sz="1200"/>
+            </a:lvl1pPr>
+          </a:lstStyle>
+          <a:p>
+            <a:pPr>
+              <a:defRPr/>
+            </a:pPr>
+            <a:endParaRPr/>
+          </a:p>
+        </p:txBody>
+      </p:sp>
+      <p:sp>
+        <p:nvSpPr>
+          <p:cNvPr id="3" name="Date Placeholder 2"/>
+          <p:cNvSpPr>
+            <a:spLocks noGrp="1"/>
+          </p:cNvSpPr>
+          <p:nvPr>
+            <p:ph type="dt" idx="3"/>
+          </p:nvPr>
+        </p:nvSpPr>
+        <p:spPr bwMode="auto">
+          <a:xfrm>
+            <a:off x="3884613" y="0"/>
+            <a:ext cx="2971800" cy="458788"/>
+          </a:xfrm>
+          <a:prstGeom prst="rect">
+            <a:avLst/>
+          </a:prstGeom>
+        </p:spPr>
+        <p:txBody>
+          <a:bodyPr vert="horz" lIns="91440" tIns="45720" rIns="91440" bIns="45720" rtlCol="0" anchor="ctr"/>
+          <a:lstStyle>
+            <a:lvl1pPr algn="r">
+              <a:defRPr sz="1200"/>
+            </a:lvl1pPr>
+          </a:lstStyle>
+          <a:p>
+            <a:pPr>
+              <a:defRPr/>
+            </a:pPr>
+            <a:endParaRPr/>
+          </a:p>
+        </p:txBody>
+      </p:sp>
+      <p:sp>
+        <p:nvSpPr>
+          <p:cNvPr id="5" name="Notes Placeholder 4"/>
+          <p:cNvSpPr>
+            <a:spLocks noGrp="1"/>
+          </p:cNvSpPr>
+          <p:nvPr>
+            <p:ph type="body" sz="quarter" idx="1"/>
+          </p:nvPr>
+        </p:nvSpPr>
+        <p:spPr bwMode="auto">
+          <a:xfrm>
+            <a:off x="685800" y="4400550"/>
+            <a:ext cx="5486400" cy="3600450"/>
+          </a:xfrm>
+          <a:prstGeom prst="rect">
+            <a:avLst/>
+          </a:prstGeom>
+        </p:spPr>
+        <p:txBody>
+          <a:bodyPr vert="horz" lIns="91440" tIns="45720" rIns="91440" bIns="45720" rtlCol="0" anchor="ctr"/>
+          <a:lstStyle/>
+          <a:p>
+            <a:pPr>
+              <a:defRPr/>
+            </a:pPr>
+            <a:endParaRPr/>
+          </a:p>
+        </p:txBody>
+      </p:sp>
+      <p:sp>
+        <p:nvSpPr>
+          <p:cNvPr id="6" name="Footer Placeholder 5"/>
+          <p:cNvSpPr>
+            <a:spLocks noGrp="1"/>
+          </p:cNvSpPr>
+          <p:nvPr>
+            <p:ph type="ftr" sz="quarter" idx="4"/>
+          </p:nvPr>
+        </p:nvSpPr>
+        <p:spPr bwMode="auto">
+          <a:xfrm>
+            <a:off x="0" y="8685213"/>
+            <a:ext cx="2971800" cy="458787"/>
+          </a:xfrm>
+          <a:prstGeom prst="rect">
+            <a:avLst/>
+          </a:prstGeom>
+        </p:spPr>
+        <p:txBody>
+          <a:bodyPr vert="horz" lIns="91440" tIns="45720" rIns="91440" bIns="45720" rtlCol="0" anchor="b"/>
+          <a:lstStyle>
+            <a:lvl1pPr algn="l">
+              <a:defRPr sz="1200"/>
+            </a:lvl1pPr>
+          </a:lstStyle>
+          <a:p>
+            <a:pPr>
+              <a:defRPr/>
+            </a:pPr>
+            <a:endParaRPr/>
+          </a:p>
+        </p:txBody>
+      </p:sp>
+      <p:sp>
+        <p:nvSpPr>
+          <p:cNvPr id="7" name="Slide Number Placeholder 6"/>
+          <p:cNvSpPr>
+            <a:spLocks noGrp="1"/>
+          </p:cNvSpPr>
+          <p:nvPr>
+            <p:ph type="sldNum" sz="quarter" idx="10"/>
+          </p:nvPr>
+        </p:nvSpPr>
+        <p:spPr bwMode="auto">
+          <a:xfrm>
+            <a:off x="3884613" y="8685213"/>
+            <a:ext cx="2971800" cy="458787"/>
+          </a:xfrm>
+          <a:prstGeom prst="rect">
+            <a:avLst/>
+          </a:prstGeom>
+        </p:spPr>
+        <p:txBody>
+          <a:bodyPr vert="horz" lIns="91440" tIns="45720" rIns="91440" bIns="45720" rtlCol="0" anchor="b"/>
+          <a:lstStyle>
+            <a:lvl1pPr algn="r">
+              <a:defRPr sz="1200"/>
+            </a:lvl1pPr>
+          </a:lstStyle>
+          <a:p>
+            <a:pPr>
+              <a:defRPr/>
+            </a:pPr>
+            <a:endParaRPr/>
+          </a:p>
+        </p:txBody>
+      </p:sp>
+    </p:spTree>
+  </p:cSld>
+  <p:clrMap bg1="lt1" tx1="dk1" bg2="lt2" tx2="dk2" accent1="accent1" accent2="accent2" accent3="accent3" accent4="accent4" accent5="accent5" accent6="accent6" hlink="hlink" folHlink="folHlink"/>
+  <p:notesStyle>
+    <a:lvl1pPr marL="0" algn="l" defTabSz="914400">
+      <a:defRPr sz="1200">
+        <a:solidFill>
+          <a:schemeClr val="tx1"/>
+        </a:solidFill>
+        <a:latin typeface="+mn-lt"/>
+        <a:ea typeface="+mn-ea"/>
+        <a:cs typeface="+mn-cs"/>
+      </a:defRPr>
+    </a:lvl1pPr>
+    <a:lvl2pPr marL="457200" algn="l" defTabSz="914400">
+      <a:defRPr sz="1200">
+        <a:solidFill>
+          <a:schemeClr val="tx1"/>
+        </a:solidFill>
+        <a:latin typeface="+mn-lt"/>
+        <a:ea typeface="+mn-ea"/>
+        <a:cs typeface="+mn-cs"/>
+      </a:defRPr>
+    </a:lvl2pPr>
+    <a:lvl3pPr marL="914400" algn="l" defTabSz="914400">
+      <a:defRPr sz="1200">
+        <a:solidFill>
+          <a:schemeClr val="tx1"/>
+        </a:solidFill>
+        <a:latin typeface="+mn-lt"/>
+        <a:ea typeface="+mn-ea"/>
+        <a:cs typeface="+mn-cs"/>
+      </a:defRPr>
+    </a:lvl3pPr>
+    <a:lvl4pPr marL="1371600" algn="l" defTabSz="914400">
+      <a:defRPr sz="1200">
+        <a:solidFill>
+          <a:schemeClr val="tx1"/>
+        </a:solidFill>
+        <a:latin typeface="+mn-lt"/>
+        <a:ea typeface="+mn-ea"/>
+        <a:cs typeface="+mn-cs"/>
+      </a:defRPr>
+    </a:lvl4pPr>
+    <a:lvl5pPr marL="1828800" algn="l" defTabSz="914400">
+      <a:defRPr sz="1200">
+        <a:solidFill>
+          <a:schemeClr val="tx1"/>
+        </a:solidFill>
+        <a:latin typeface="+mn-lt"/>
+        <a:ea typeface="+mn-ea"/>
+        <a:cs typeface="+mn-cs"/>
+      </a:defRPr>
+    </a:lvl5pPr>
+    <a:lvl6pPr marL="2286000" algn="l" defTabSz="914400">
+      <a:defRPr sz="1200">
+        <a:solidFill>
+          <a:schemeClr val="tx1"/>
+        </a:solidFill>
+        <a:latin typeface="+mn-lt"/>
+        <a:ea typeface="+mn-ea"/>
+        <a:cs typeface="+mn-cs"/>
+      </a:defRPr>
+    </a:lvl6pPr>
+    <a:lvl7pPr marL="2743200" algn="l" defTabSz="914400">
+      <a:defRPr sz="1200">
+        <a:solidFill>
+          <a:schemeClr val="tx1"/>
+        </a:solidFill>
+        <a:latin typeface="+mn-lt"/>
+        <a:ea typeface="+mn-ea"/>
+        <a:cs typeface="+mn-cs"/>
+      </a:defRPr>
+    </a:lvl7pPr>
+    <a:lvl8pPr marL="3200400" algn="l" defTabSz="914400">
+      <a:defRPr sz="1200">
+        <a:solidFill>
+          <a:schemeClr val="tx1"/>
+        </a:solidFill>
+        <a:latin typeface="+mn-lt"/>
+        <a:ea typeface="+mn-ea"/>
+        <a:cs typeface="+mn-cs"/>
+      </a:defRPr>
+    </a:lvl8pPr>
+    <a:lvl9pPr marL="3657600" algn="l" defTabSz="914400">
+      <a:defRPr sz="1200">
+        <a:solidFill>
+          <a:schemeClr val="tx1"/>
+        </a:solidFill>
+        <a:latin typeface="+mn-lt"/>
+        <a:ea typeface="+mn-ea"/>
+        <a:cs typeface="+mn-cs"/>
+      </a:defRPr>
+    </a:lvl9pPr>
+  </p:notesStyle>
+</p:notesMaster>
+</file>
+
+<file path=ppt/notesSlides/notesSlide1.xml><?xml version="1.0" encoding="utf-8"?>
+<p:notes xmlns:a="http://schemas.openxmlformats.org/drawingml/2006/main" xmlns:r="http://schemas.openxmlformats.org/officeDocument/2006/relationships" xmlns:p="http://schemas.openxmlformats.org/presentationml/2006/main" xmlns:m="http://schemas.openxmlformats.org/officeDocument/2006/math" xmlns:w="http://schemas.openxmlformats.org/wordprocessingml/2006/main">
+  <p:cSld name="">
+    <p:spTree>
+      <p:nvGrpSpPr>
+        <p:cNvPr id="1" name=""/>
+        <p:cNvGrpSpPr/>
+        <p:nvPr/>
+      </p:nvGrpSpPr>
+      <p:grpSpPr bwMode="auto">
+        <a:xfrm>
+          <a:off x="0" y="0"/>
+          <a:ext cx="0" cy="0"/>
+          <a:chOff x="0" y="0"/>
+          <a:chExt cx="0" cy="0"/>
+        </a:xfrm>
+      </p:grpSpPr>
+      <p:sp>
+        <p:nvSpPr>
+          <p:cNvPr id="2" name="Slide Image Placeholder 1"/>
+          <p:cNvSpPr>
+            <a:spLocks noChangeAspect="1" noGrp="1" noRot="1"/>
+          </p:cNvSpPr>
+          <p:nvPr>
+            <p:ph type="sldImg"/>
+          </p:nvPr>
+        </p:nvSpPr>
+        <p:spPr bwMode="auto"/>
+      </p:sp>
+      <p:sp>
+        <p:nvSpPr>
+          <p:cNvPr id="3" name="Notes Placeholder 2"/>
+          <p:cNvSpPr>
+            <a:spLocks noGrp="1"/>
+          </p:cNvSpPr>
+          <p:nvPr>
+            <p:ph type="body" idx="1"/>
+          </p:nvPr>
+        </p:nvSpPr>
+        <p:spPr bwMode="auto"/>
+        <p:txBody>
+          <a:bodyPr/>
+          <a:lstStyle/>
+          <a:p>
+            <a:pPr>
+              <a:defRPr/>
+            </a:pPr>
+            <a:endParaRPr/>
+          </a:p>
+        </p:txBody>
+      </p:sp>
+      <p:sp>
+        <p:nvSpPr>
+          <p:cNvPr id="4" name="Slide Number Placeholder 3"/>
+          <p:cNvSpPr>
+            <a:spLocks noGrp="1"/>
+          </p:cNvSpPr>
+          <p:nvPr>
+            <p:ph type="sldNum" sz="quarter" idx="10"/>
+          </p:nvPr>
+        </p:nvSpPr>
+        <p:spPr bwMode="auto"/>
+        <p:txBody>
+          <a:bodyPr/>
+          <a:lstStyle/>
+          <a:p>
+            <a:pPr>
+              <a:defRPr/>
+            </a:pPr>
+            <a:fld id="{54FE36A0-0DCC-75FD-1F17-D6353DB7BD3A}" type="slidenum">
+              <a:rPr/>
+              <a:t/>
+            </a:fld>
+            <a:endParaRPr/>
+          </a:p>
+        </p:txBody>
+      </p:sp>
+    </p:spTree>
+  </p:cSld>
+</p:notes>
 </file>
 
 <file path=ppt/slideLayouts/slideLayout1.xml><?xml version="1.0" encoding="utf-8"?>
@@ -3212,7 +3617,7 @@
           <p:nvPr/>
         </p:nvPicPr>
         <p:blipFill>
-          <a:blip r:embed="rId2"/>
+          <a:blip r:embed="rId3"/>
           <a:stretch/>
         </p:blipFill>
         <p:spPr bwMode="auto">
@@ -3456,7 +3861,7 @@
           <p:nvPr/>
         </p:nvPicPr>
         <p:blipFill>
-          <a:blip r:embed="rId3"/>
+          <a:blip r:embed="rId4"/>
           <a:stretch/>
         </p:blipFill>
         <p:spPr bwMode="auto">
@@ -3478,7 +3883,7 @@
           <p:nvPr/>
         </p:nvPicPr>
         <p:blipFill>
-          <a:blip r:embed="rId4"/>
+          <a:blip r:embed="rId5"/>
           <a:stretch/>
         </p:blipFill>
         <p:spPr bwMode="auto">
@@ -3662,7 +4067,7 @@
           <p:nvPr/>
         </p:nvPicPr>
         <p:blipFill>
-          <a:blip r:embed="rId5"/>
+          <a:blip r:embed="rId6"/>
           <a:srcRect l="0" t="5913" r="0" b="0"/>
           <a:stretch/>
         </p:blipFill>
@@ -3685,7 +4090,7 @@
           <p:nvPr/>
         </p:nvPicPr>
         <p:blipFill>
-          <a:blip r:embed="rId6"/>
+          <a:blip r:embed="rId7"/>
           <a:stretch/>
         </p:blipFill>
         <p:spPr bwMode="auto">
@@ -3707,7 +4112,7 @@
           <p:nvPr/>
         </p:nvPicPr>
         <p:blipFill>
-          <a:blip r:embed="rId7"/>
+          <a:blip r:embed="rId8"/>
           <a:stretch/>
         </p:blipFill>
         <p:spPr bwMode="auto">
@@ -3729,7 +4134,7 @@
           <p:nvPr/>
         </p:nvPicPr>
         <p:blipFill>
-          <a:blip r:embed="rId7"/>
+          <a:blip r:embed="rId8"/>
           <a:stretch/>
         </p:blipFill>
         <p:spPr bwMode="auto">
@@ -3919,7 +4324,7 @@
           <p:nvPr/>
         </p:nvPicPr>
         <p:blipFill>
-          <a:blip r:embed="rId8"/>
+          <a:blip r:embed="rId9"/>
           <a:stretch/>
         </p:blipFill>
         <p:spPr bwMode="auto">
@@ -3983,7 +4388,7 @@
           <p:nvPr/>
         </p:nvPicPr>
         <p:blipFill>
-          <a:blip r:embed="rId9"/>
+          <a:blip r:embed="rId10"/>
           <a:srcRect l="21513" t="0" r="24988" b="0"/>
           <a:stretch/>
         </p:blipFill>
@@ -5364,7 +5769,7 @@
         </p:nvSpPr>
         <p:spPr bwMode="auto">
           <a:xfrm flipH="0" flipV="0">
-            <a:off x="7214836" y="2811955"/>
+            <a:off x="7288675" y="2811954"/>
             <a:ext cx="415166" cy="396599"/>
           </a:xfrm>
           <a:prstGeom prst="rect">
@@ -5457,7 +5862,7 @@
           <p:nvPr/>
         </p:nvPicPr>
         <p:blipFill>
-          <a:blip r:embed="rId10"/>
+          <a:blip r:embed="rId11"/>
           <a:stretch/>
         </p:blipFill>
         <p:spPr bwMode="auto">
@@ -7022,7 +7427,7 @@
         </p:nvSpPr>
         <p:spPr bwMode="auto">
           <a:xfrm flipH="0" flipV="0">
-            <a:off x="5934070" y="2885614"/>
+            <a:off x="5934070" y="2816820"/>
             <a:ext cx="945888" cy="259439"/>
           </a:xfrm>
           <a:prstGeom prst="rect">
@@ -7114,7 +7519,7 @@
         </p:nvSpPr>
         <p:spPr bwMode="auto">
           <a:xfrm flipH="0" flipV="0">
-            <a:off x="7457239" y="3505198"/>
+            <a:off x="7442913" y="3505197"/>
             <a:ext cx="536572" cy="417651"/>
           </a:xfrm>
           <a:prstGeom prst="rect">
@@ -7365,13 +7770,233 @@
           </a:p>
         </p:txBody>
       </p:sp>
+      <p:sp>
+        <p:nvSpPr>
+          <p:cNvPr id="418021084" name=""/>
+          <p:cNvSpPr/>
+          <p:nvPr/>
+        </p:nvSpPr>
+        <p:spPr bwMode="auto">
+          <a:xfrm flipH="0" flipV="0">
+            <a:off x="6814577" y="2977234"/>
+            <a:ext cx="513455" cy="246890"/>
+          </a:xfrm>
+          <a:prstGeom prst="rect">
+            <a:avLst/>
+          </a:prstGeom>
+          <a:solidFill>
+            <a:srgbClr val="E532EB">
+              <a:alpha val="99999"/>
+            </a:srgbClr>
+          </a:solidFill>
+          <a:ln w="12700" cap="flat" cmpd="sng" algn="ctr">
+            <a:noFill/>
+            <a:prstDash val="solid"/>
+            <a:miter lim="800000"/>
+          </a:ln>
+        </p:spPr>
+        <p:style>
+          <a:lnRef idx="2">
+            <a:schemeClr val="accent1">
+              <a:shade val="50000"/>
+            </a:schemeClr>
+          </a:lnRef>
+          <a:fillRef idx="1">
+            <a:schemeClr val="accent1"/>
+          </a:fillRef>
+          <a:effectRef idx="0">
+            <a:schemeClr val="accent1"/>
+          </a:effectRef>
+          <a:fontRef idx="minor">
+            <a:schemeClr val="lt1"/>
+          </a:fontRef>
+        </p:style>
+        <p:txBody>
+          <a:bodyPr/>
+          <a:p>
+            <a:pPr>
+              <a:defRPr/>
+            </a:pPr>
+            <a:r>
+              <a:rPr sz="1000">
+                <a:solidFill>
+                  <a:schemeClr val="tx1"/>
+                </a:solidFill>
+              </a:rPr>
+              <a:t>dark</a:t>
+            </a:r>
+            <a:endParaRPr sz="1000"/>
+          </a:p>
+        </p:txBody>
+      </p:sp>
+      <p:sp>
+        <p:nvSpPr>
+          <p:cNvPr id="1068246948" name=""/>
+          <p:cNvSpPr/>
+          <p:nvPr/>
+        </p:nvSpPr>
+        <p:spPr bwMode="auto">
+          <a:xfrm flipH="0" flipV="0">
+            <a:off x="6095999" y="3045814"/>
+            <a:ext cx="513454" cy="162740"/>
+          </a:xfrm>
+          <a:prstGeom prst="rect">
+            <a:avLst/>
+          </a:prstGeom>
+          <a:solidFill>
+            <a:srgbClr val="E532EB">
+              <a:alpha val="99999"/>
+            </a:srgbClr>
+          </a:solidFill>
+          <a:ln w="12700" cap="flat" cmpd="sng" algn="ctr">
+            <a:noFill/>
+            <a:prstDash val="solid"/>
+            <a:miter lim="800000"/>
+          </a:ln>
+        </p:spPr>
+        <p:style>
+          <a:lnRef idx="2">
+            <a:schemeClr val="accent1">
+              <a:shade val="50000"/>
+            </a:schemeClr>
+          </a:lnRef>
+          <a:fillRef idx="1">
+            <a:schemeClr val="accent1"/>
+          </a:fillRef>
+          <a:effectRef idx="0">
+            <a:schemeClr val="accent1"/>
+          </a:effectRef>
+          <a:fontRef idx="minor">
+            <a:schemeClr val="lt1"/>
+          </a:fontRef>
+        </p:style>
+        <p:txBody>
+          <a:bodyPr/>
+          <a:p>
+            <a:pPr>
+              <a:defRPr/>
+            </a:pPr>
+            <a:endParaRPr sz="1000"/>
+          </a:p>
+        </p:txBody>
+      </p:sp>
+      <p:sp>
+        <p:nvSpPr>
+          <p:cNvPr id="248453251" name=""/>
+          <p:cNvSpPr/>
+          <p:nvPr/>
+        </p:nvSpPr>
+        <p:spPr bwMode="auto">
+          <a:xfrm flipH="0" flipV="0">
+            <a:off x="7874094" y="3042952"/>
+            <a:ext cx="123271" cy="162739"/>
+          </a:xfrm>
+          <a:prstGeom prst="rect">
+            <a:avLst/>
+          </a:prstGeom>
+          <a:solidFill>
+            <a:srgbClr val="E532EB">
+              <a:alpha val="99999"/>
+            </a:srgbClr>
+          </a:solidFill>
+          <a:ln w="12700" cap="flat" cmpd="sng" algn="ctr">
+            <a:noFill/>
+            <a:prstDash val="solid"/>
+            <a:miter lim="800000"/>
+          </a:ln>
+        </p:spPr>
+        <p:style>
+          <a:lnRef idx="2">
+            <a:schemeClr val="accent1">
+              <a:shade val="50000"/>
+            </a:schemeClr>
+          </a:lnRef>
+          <a:fillRef idx="1">
+            <a:schemeClr val="accent1"/>
+          </a:fillRef>
+          <a:effectRef idx="0">
+            <a:schemeClr val="accent1"/>
+          </a:effectRef>
+          <a:fontRef idx="minor">
+            <a:schemeClr val="lt1"/>
+          </a:fontRef>
+        </p:style>
+        <p:txBody>
+          <a:bodyPr/>
+          <a:p>
+            <a:pPr>
+              <a:defRPr/>
+            </a:pPr>
+            <a:endParaRPr sz="1000"/>
+          </a:p>
+        </p:txBody>
+      </p:sp>
+      <p:sp>
+        <p:nvSpPr>
+          <p:cNvPr id="1407299542" name=""/>
+          <p:cNvSpPr/>
+          <p:nvPr/>
+        </p:nvSpPr>
+        <p:spPr bwMode="auto">
+          <a:xfrm flipH="0" flipV="0">
+            <a:off x="8718204" y="3042952"/>
+            <a:ext cx="325518" cy="201162"/>
+          </a:xfrm>
+          <a:prstGeom prst="rect">
+            <a:avLst/>
+          </a:prstGeom>
+          <a:solidFill>
+            <a:srgbClr val="E532EB">
+              <a:alpha val="99999"/>
+            </a:srgbClr>
+          </a:solidFill>
+          <a:ln w="12700" cap="flat" cmpd="sng" algn="ctr">
+            <a:noFill/>
+            <a:prstDash val="solid"/>
+            <a:miter lim="800000"/>
+          </a:ln>
+        </p:spPr>
+        <p:style>
+          <a:lnRef idx="2">
+            <a:schemeClr val="accent1">
+              <a:shade val="50000"/>
+            </a:schemeClr>
+          </a:lnRef>
+          <a:fillRef idx="1">
+            <a:schemeClr val="accent1"/>
+          </a:fillRef>
+          <a:effectRef idx="0">
+            <a:schemeClr val="accent1"/>
+          </a:effectRef>
+          <a:fontRef idx="minor">
+            <a:schemeClr val="lt1"/>
+          </a:fontRef>
+        </p:style>
+        <p:txBody>
+          <a:bodyPr/>
+          <a:p>
+            <a:pPr>
+              <a:defRPr/>
+            </a:pPr>
+            <a:r>
+              <a:rPr sz="1000">
+                <a:solidFill>
+                  <a:schemeClr val="tx1"/>
+                </a:solidFill>
+              </a:rPr>
+              <a:t>or</a:t>
+            </a:r>
+            <a:endParaRPr sz="1000"/>
+          </a:p>
+        </p:txBody>
+      </p:sp>
     </p:spTree>
   </p:cSld>
   <p:clrMapOvr>
     <a:masterClrMapping/>
   </p:clrMapOvr>
   <mc:AlternateContent xmlns:mc="http://schemas.openxmlformats.org/markup-compatibility/2006">
-    <mc:Choice xmlns:p14="http://schemas.microsoft.com/office/powerpoint/2010/main" Requires="p14">
+    <mc:Choice xmlns:p159="http://schemas.microsoft.com/office/powerpoint/2015/09/main" xmlns:p14="http://schemas.microsoft.com/office/powerpoint/2010/main" Requires="p159">
       <p:transition p14:dur="2000" advClick="1"/>
     </mc:Choice>
     <mc:Fallback>
@@ -7586,4 +8211,211 @@
   </a:themeElements>
   <a:objectDefaults/>
 </a:theme>
+</file>
+
+<file path=ppt/theme/theme2.xml><?xml version="1.0" encoding="utf-8"?>
+<a:theme xmlns:a="http://schemas.openxmlformats.org/drawingml/2006/main" xmlns:r="http://schemas.openxmlformats.org/officeDocument/2006/relationships" xmlns:p="http://schemas.openxmlformats.org/presentationml/2006/main" name="Office Theme">
+  <a:themeElements>
+    <a:clrScheme name="New Office">
+      <a:dk1>
+        <a:sysClr val="windowText" lastClr="000000"/>
+      </a:dk1>
+      <a:lt1>
+        <a:sysClr val="window" lastClr="FFFFFF"/>
+      </a:lt1>
+      <a:dk2>
+        <a:srgbClr val="44546A"/>
+      </a:dk2>
+      <a:lt2>
+        <a:srgbClr val="E7E6E6"/>
+      </a:lt2>
+      <a:accent1>
+        <a:srgbClr val="5B9BD5"/>
+      </a:accent1>
+      <a:accent2>
+        <a:srgbClr val="ED7D31"/>
+      </a:accent2>
+      <a:accent3>
+        <a:srgbClr val="A5A5A5"/>
+      </a:accent3>
+      <a:accent4>
+        <a:srgbClr val="FFC000"/>
+      </a:accent4>
+      <a:accent5>
+        <a:srgbClr val="4472C4"/>
+      </a:accent5>
+      <a:accent6>
+        <a:srgbClr val="70AD47"/>
+      </a:accent6>
+      <a:hlink>
+        <a:srgbClr val="0563C1"/>
+      </a:hlink>
+      <a:folHlink>
+        <a:srgbClr val="954F72"/>
+      </a:folHlink>
+    </a:clrScheme>
+    <a:fontScheme name="">
+      <a:majorFont>
+        <a:latin typeface="Arial"/>
+        <a:ea typeface="Arial"/>
+        <a:cs typeface="Arial"/>
+      </a:majorFont>
+      <a:minorFont>
+        <a:latin typeface="Arial"/>
+        <a:ea typeface="Arial"/>
+        <a:cs typeface="Arial"/>
+      </a:minorFont>
+    </a:fontScheme>
+    <a:fmtScheme name="Office Theme">
+      <a:fillStyleLst>
+        <a:solidFill>
+          <a:schemeClr val="phClr"/>
+        </a:solidFill>
+        <a:gradFill>
+          <a:gsLst>
+            <a:gs pos="0">
+              <a:schemeClr val="phClr">
+                <a:lumMod val="110000"/>
+                <a:satMod val="105000"/>
+                <a:tint val="67000"/>
+              </a:schemeClr>
+            </a:gs>
+            <a:gs pos="50000">
+              <a:schemeClr val="phClr">
+                <a:lumMod val="105000"/>
+                <a:satMod val="103000"/>
+                <a:tint val="73000"/>
+              </a:schemeClr>
+            </a:gs>
+            <a:gs pos="100000">
+              <a:schemeClr val="phClr">
+                <a:lumMod val="105000"/>
+                <a:satMod val="109000"/>
+                <a:tint val="81000"/>
+              </a:schemeClr>
+            </a:gs>
+          </a:gsLst>
+          <a:lin ang="5400000" scaled="0"/>
+        </a:gradFill>
+        <a:gradFill>
+          <a:gsLst>
+            <a:gs pos="0">
+              <a:schemeClr val="phClr">
+                <a:satMod val="103000"/>
+                <a:lumMod val="102000"/>
+                <a:tint val="94000"/>
+              </a:schemeClr>
+            </a:gs>
+            <a:gs pos="50000">
+              <a:schemeClr val="phClr">
+                <a:satMod val="110000"/>
+                <a:lumMod val="100000"/>
+                <a:shade val="100000"/>
+              </a:schemeClr>
+            </a:gs>
+            <a:gs pos="100000">
+              <a:schemeClr val="phClr">
+                <a:lumMod val="99000"/>
+                <a:satMod val="120000"/>
+                <a:shade val="78000"/>
+              </a:schemeClr>
+            </a:gs>
+          </a:gsLst>
+          <a:lin ang="5400000" scaled="0"/>
+        </a:gradFill>
+      </a:fillStyleLst>
+      <a:lnStyleLst>
+        <a:ln w="6350" cap="flat" cmpd="sng" algn="ctr">
+          <a:solidFill>
+            <a:schemeClr val="phClr"/>
+          </a:solidFill>
+          <a:prstDash val="solid"/>
+          <a:miter lim="800000"/>
+        </a:ln>
+        <a:ln w="12700" cap="flat" cmpd="sng" algn="ctr">
+          <a:solidFill>
+            <a:schemeClr val="phClr"/>
+          </a:solidFill>
+          <a:prstDash val="solid"/>
+          <a:miter lim="800000"/>
+        </a:ln>
+        <a:ln w="19050" cap="flat" cmpd="sng" algn="ctr">
+          <a:solidFill>
+            <a:schemeClr val="phClr"/>
+          </a:solidFill>
+          <a:prstDash val="solid"/>
+          <a:miter lim="800000"/>
+        </a:ln>
+      </a:lnStyleLst>
+      <a:effectStyleLst>
+        <a:effectStyle>
+          <a:effectLst>
+            <a:outerShdw blurRad="40000" dist="20000" dir="5400000" rotWithShape="0">
+              <a:srgbClr val="000000">
+                <a:alpha val="38000"/>
+              </a:srgbClr>
+            </a:outerShdw>
+          </a:effectLst>
+        </a:effectStyle>
+        <a:effectStyle>
+          <a:effectLst>
+            <a:outerShdw blurRad="40000" dist="23000" dir="5400000" rotWithShape="0">
+              <a:srgbClr val="000000">
+                <a:alpha val="35000"/>
+              </a:srgbClr>
+            </a:outerShdw>
+          </a:effectLst>
+        </a:effectStyle>
+        <a:effectStyle>
+          <a:effectLst>
+            <a:outerShdw blurRad="40000" dist="23000" dir="5400000" rotWithShape="0">
+              <a:srgbClr val="000000">
+                <a:alpha val="35000"/>
+              </a:srgbClr>
+            </a:outerShdw>
+          </a:effectLst>
+        </a:effectStyle>
+      </a:effectStyleLst>
+      <a:bgFillStyleLst>
+        <a:solidFill>
+          <a:schemeClr val="phClr"/>
+        </a:solidFill>
+        <a:solidFill>
+          <a:schemeClr val="phClr">
+            <a:tint val="95000"/>
+            <a:satMod val="170000"/>
+          </a:schemeClr>
+        </a:solidFill>
+        <a:gradFill>
+          <a:gsLst>
+            <a:gs pos="0">
+              <a:schemeClr val="phClr">
+                <a:tint val="93000"/>
+                <a:satMod val="150000"/>
+                <a:shade val="98000"/>
+                <a:lumMod val="102000"/>
+              </a:schemeClr>
+            </a:gs>
+            <a:gs pos="50000">
+              <a:schemeClr val="phClr">
+                <a:tint val="98000"/>
+                <a:satMod val="130000"/>
+                <a:shade val="90000"/>
+                <a:lumMod val="103000"/>
+              </a:schemeClr>
+            </a:gs>
+            <a:gs pos="100000">
+              <a:schemeClr val="phClr">
+                <a:shade val="63000"/>
+                <a:satMod val="120000"/>
+              </a:schemeClr>
+            </a:gs>
+          </a:gsLst>
+          <a:lin ang="5400000" scaled="0"/>
+        </a:gradFill>
+      </a:bgFillStyleLst>
+    </a:fmtScheme>
+  </a:themeElements>
+  <a:objectDefaults/>
+</a:theme>
 </file>
--- a/keyb.pptx
+++ b/keyb.pptx
@@ -7144,14 +7144,14 @@
       </p:sp>
       <p:sp>
         <p:nvSpPr>
-          <p:cNvPr id="1672335544" name=""/>
+          <p:cNvPr id="1737748550" name=""/>
           <p:cNvSpPr txBox="1"/>
           <p:nvPr/>
         </p:nvSpPr>
         <p:spPr bwMode="auto">
           <a:xfrm flipH="0" flipV="0">
-            <a:off x="7625122" y="2809201"/>
-            <a:ext cx="550810" cy="274679"/>
+            <a:off x="8426740" y="2827301"/>
+            <a:ext cx="704453" cy="244199"/>
           </a:xfrm>
           <a:prstGeom prst="rect">
             <a:avLst/>
@@ -7167,70 +7167,14 @@
               <a:defRPr/>
             </a:pPr>
             <a:r>
-              <a:rPr lang="en-US" sz="1200" b="0" i="0" u="none" strike="noStrike" cap="none" spc="0">
-                <a:solidFill>
-                  <a:schemeClr val="tx1"/>
-                </a:solidFill>
-                <a:highlight>
-                  <a:srgbClr val="00FF00"/>
-                </a:highlight>
-                <a:latin typeface="Arial"/>
-                <a:ea typeface="Arial"/>
-                <a:cs typeface="Arial"/>
-              </a:rPr>
-              <a:t>pgUp</a:t>
-            </a:r>
-            <a:endParaRPr sz="1200"/>
-          </a:p>
-        </p:txBody>
-      </p:sp>
-      <p:sp>
-        <p:nvSpPr>
-          <p:cNvPr id="1737748550" name=""/>
-          <p:cNvSpPr txBox="1"/>
-          <p:nvPr/>
-        </p:nvSpPr>
-        <p:spPr bwMode="auto">
-          <a:xfrm flipH="0" flipV="0">
-            <a:off x="8426741" y="2827302"/>
-            <a:ext cx="688974" cy="274679"/>
-          </a:xfrm>
-          <a:prstGeom prst="rect">
-            <a:avLst/>
-          </a:prstGeom>
-          <a:noFill/>
-        </p:spPr>
-        <p:txBody>
-          <a:bodyPr vertOverflow="overflow" horzOverflow="overflow" vert="horz" wrap="square" lIns="91440" tIns="45720" rIns="91440" bIns="45720" numCol="1" spcCol="0" rtlCol="0" fromWordArt="0" anchor="t" anchorCtr="0" forceAA="0" upright="0" compatLnSpc="0">
-            <a:spAutoFit/>
-          </a:bodyPr>
-          <a:p>
-            <a:pPr>
-              <a:defRPr/>
-            </a:pPr>
-            <a:r>
-              <a:rPr lang="en-US" sz="1200" b="0" i="0" u="none" strike="noStrike" cap="none" spc="0">
-                <a:solidFill>
-                  <a:schemeClr val="tx1"/>
-                </a:solidFill>
-                <a:highlight>
-                  <a:srgbClr val="00FF00"/>
-                </a:highlight>
-                <a:latin typeface="Arial"/>
-                <a:ea typeface="Arial"/>
-                <a:cs typeface="Arial"/>
-              </a:rPr>
-              <a:t>pgD</a:t>
-            </a:r>
-            <a:r>
-              <a:rPr sz="1200">
+              <a:rPr sz="1000">
                 <a:highlight>
                   <a:srgbClr val="00FF00"/>
                 </a:highlight>
               </a:rPr>
-              <a:t>wn</a:t>
-            </a:r>
-            <a:endParaRPr sz="1200">
+              <a:t>WorkSp</a:t>
+            </a:r>
+            <a:endParaRPr sz="1000">
               <a:highlight>
                 <a:srgbClr val="00FF00"/>
               </a:highlight>
@@ -7987,6 +7931,46 @@
               <a:t>or</a:t>
             </a:r>
             <a:endParaRPr sz="1000"/>
+          </a:p>
+        </p:txBody>
+      </p:sp>
+      <p:sp>
+        <p:nvSpPr>
+          <p:cNvPr id="1784644944" name=""/>
+          <p:cNvSpPr txBox="1"/>
+          <p:nvPr/>
+        </p:nvSpPr>
+        <p:spPr bwMode="auto">
+          <a:xfrm flipH="0" flipV="0">
+            <a:off x="7543831" y="2811953"/>
+            <a:ext cx="704813" cy="244199"/>
+          </a:xfrm>
+          <a:prstGeom prst="rect">
+            <a:avLst/>
+          </a:prstGeom>
+          <a:noFill/>
+        </p:spPr>
+        <p:txBody>
+          <a:bodyPr vertOverflow="overflow" horzOverflow="overflow" vert="horz" wrap="square" lIns="91440" tIns="45720" rIns="91440" bIns="45720" numCol="1" spcCol="0" rtlCol="0" fromWordArt="0" anchor="t" anchorCtr="0" forceAA="0" upright="0" compatLnSpc="0">
+            <a:spAutoFit/>
+          </a:bodyPr>
+          <a:p>
+            <a:pPr>
+              <a:defRPr/>
+            </a:pPr>
+            <a:r>
+              <a:rPr sz="1000">
+                <a:highlight>
+                  <a:srgbClr val="00FF00"/>
+                </a:highlight>
+              </a:rPr>
+              <a:t>WorkSp</a:t>
+            </a:r>
+            <a:endParaRPr sz="1000">
+              <a:highlight>
+                <a:srgbClr val="00FF00"/>
+              </a:highlight>
+            </a:endParaRPr>
           </a:p>
         </p:txBody>
       </p:sp>

--- a/keyb.pptx
+++ b/keyb.pptx
@@ -7150,8 +7150,8 @@
         </p:nvSpPr>
         <p:spPr bwMode="auto">
           <a:xfrm flipH="0" flipV="0">
-            <a:off x="8426740" y="2827301"/>
-            <a:ext cx="704453" cy="244199"/>
+            <a:off x="8426739" y="2827300"/>
+            <a:ext cx="710572" cy="244199"/>
           </a:xfrm>
           <a:prstGeom prst="rect">
             <a:avLst/>
@@ -7172,7 +7172,7 @@
                   <a:srgbClr val="00FF00"/>
                 </a:highlight>
               </a:rPr>
-              <a:t>WorkSp</a:t>
+              <a:t>pgDown</a:t>
             </a:r>
             <a:endParaRPr sz="1000">
               <a:highlight>
@@ -7942,8 +7942,8 @@
         </p:nvSpPr>
         <p:spPr bwMode="auto">
           <a:xfrm flipH="0" flipV="0">
-            <a:off x="7543831" y="2811953"/>
-            <a:ext cx="704813" cy="244199"/>
+            <a:off x="7543830" y="2811952"/>
+            <a:ext cx="708412" cy="244199"/>
           </a:xfrm>
           <a:prstGeom prst="rect">
             <a:avLst/>
@@ -7964,7 +7964,7 @@
                   <a:srgbClr val="00FF00"/>
                 </a:highlight>
               </a:rPr>
-              <a:t>WorkSp</a:t>
+              <a:t>pgUp</a:t>
             </a:r>
             <a:endParaRPr sz="1000">
               <a:highlight>

--- a/keyb.pptx
+++ b/keyb.pptx
@@ -513,7 +513,7 @@
 </file>
 
 <file path=ppt/slideLayouts/slideLayout1.xml><?xml version="1.0" encoding="utf-8"?>
-<p:sldLayout xmlns:a="http://schemas.openxmlformats.org/drawingml/2006/main" xmlns:r="http://schemas.openxmlformats.org/officeDocument/2006/relationships" xmlns:p="http://schemas.openxmlformats.org/presentationml/2006/main" xmlns:m="http://schemas.openxmlformats.org/officeDocument/2006/math" xmlns:w="http://schemas.openxmlformats.org/wordprocessingml/2006/main" matchingName="" preserve="1" showMasterPhAnim="0" type="title" userDrawn="1">
+<p:sldLayout xmlns:a="http://schemas.openxmlformats.org/drawingml/2006/main" xmlns:r="http://schemas.openxmlformats.org/officeDocument/2006/relationships" xmlns:p="http://schemas.openxmlformats.org/presentationml/2006/main" xmlns:m="http://schemas.openxmlformats.org/officeDocument/2006/math" xmlns:w="http://schemas.openxmlformats.org/wordprocessingml/2006/main" matchingName="" preserve="1" showMasterPhAnim="0" showMasterSp="1" type="title" userDrawn="1">
   <p:cSld name="Title Slide">
     <p:spTree>
       <p:nvGrpSpPr>
@@ -715,7 +715,7 @@
 </file>
 
 <file path=ppt/slideLayouts/slideLayout10.xml><?xml version="1.0" encoding="utf-8"?>
-<p:sldLayout xmlns:a="http://schemas.openxmlformats.org/drawingml/2006/main" xmlns:r="http://schemas.openxmlformats.org/officeDocument/2006/relationships" xmlns:p="http://schemas.openxmlformats.org/presentationml/2006/main" xmlns:m="http://schemas.openxmlformats.org/officeDocument/2006/math" xmlns:w="http://schemas.openxmlformats.org/wordprocessingml/2006/main" matchingName="" preserve="1" showMasterPhAnim="0" type="vertTx" userDrawn="1">
+<p:sldLayout xmlns:a="http://schemas.openxmlformats.org/drawingml/2006/main" xmlns:r="http://schemas.openxmlformats.org/officeDocument/2006/relationships" xmlns:p="http://schemas.openxmlformats.org/presentationml/2006/main" xmlns:m="http://schemas.openxmlformats.org/officeDocument/2006/math" xmlns:w="http://schemas.openxmlformats.org/wordprocessingml/2006/main" matchingName="" preserve="1" showMasterPhAnim="0" showMasterSp="1" type="vertTx" userDrawn="1">
   <p:cSld name="Title and Vertical Text">
     <p:spTree>
       <p:nvGrpSpPr>
@@ -906,7 +906,7 @@
 </file>
 
 <file path=ppt/slideLayouts/slideLayout11.xml><?xml version="1.0" encoding="utf-8"?>
-<p:sldLayout xmlns:a="http://schemas.openxmlformats.org/drawingml/2006/main" xmlns:r="http://schemas.openxmlformats.org/officeDocument/2006/relationships" xmlns:p="http://schemas.openxmlformats.org/presentationml/2006/main" xmlns:m="http://schemas.openxmlformats.org/officeDocument/2006/math" xmlns:w="http://schemas.openxmlformats.org/wordprocessingml/2006/main" matchingName="" preserve="1" showMasterPhAnim="0" type="vertTitleAndTx" userDrawn="1">
+<p:sldLayout xmlns:a="http://schemas.openxmlformats.org/drawingml/2006/main" xmlns:r="http://schemas.openxmlformats.org/officeDocument/2006/relationships" xmlns:p="http://schemas.openxmlformats.org/presentationml/2006/main" xmlns:m="http://schemas.openxmlformats.org/officeDocument/2006/math" xmlns:w="http://schemas.openxmlformats.org/wordprocessingml/2006/main" matchingName="" preserve="1" showMasterPhAnim="0" showMasterSp="1" type="vertTitleAndTx" userDrawn="1">
   <p:cSld name="Vertical Title and Text">
     <p:spTree>
       <p:nvGrpSpPr>
@@ -1107,7 +1107,7 @@
 </file>
 
 <file path=ppt/slideLayouts/slideLayout2.xml><?xml version="1.0" encoding="utf-8"?>
-<p:sldLayout xmlns:a="http://schemas.openxmlformats.org/drawingml/2006/main" xmlns:r="http://schemas.openxmlformats.org/officeDocument/2006/relationships" xmlns:p="http://schemas.openxmlformats.org/presentationml/2006/main" xmlns:m="http://schemas.openxmlformats.org/officeDocument/2006/math" xmlns:w="http://schemas.openxmlformats.org/wordprocessingml/2006/main" matchingName="" preserve="1" showMasterPhAnim="0" type="obj" userDrawn="1">
+<p:sldLayout xmlns:a="http://schemas.openxmlformats.org/drawingml/2006/main" xmlns:r="http://schemas.openxmlformats.org/officeDocument/2006/relationships" xmlns:p="http://schemas.openxmlformats.org/presentationml/2006/main" xmlns:m="http://schemas.openxmlformats.org/officeDocument/2006/math" xmlns:w="http://schemas.openxmlformats.org/wordprocessingml/2006/main" matchingName="" preserve="1" showMasterPhAnim="0" showMasterSp="1" type="obj" userDrawn="1">
   <p:cSld name="Title and Content">
     <p:spTree>
       <p:nvGrpSpPr>
@@ -1298,7 +1298,7 @@
 </file>
 
 <file path=ppt/slideLayouts/slideLayout3.xml><?xml version="1.0" encoding="utf-8"?>
-<p:sldLayout xmlns:a="http://schemas.openxmlformats.org/drawingml/2006/main" xmlns:r="http://schemas.openxmlformats.org/officeDocument/2006/relationships" xmlns:p="http://schemas.openxmlformats.org/presentationml/2006/main" xmlns:m="http://schemas.openxmlformats.org/officeDocument/2006/math" xmlns:w="http://schemas.openxmlformats.org/wordprocessingml/2006/main" matchingName="" preserve="1" showMasterPhAnim="0" type="secHead" userDrawn="1">
+<p:sldLayout xmlns:a="http://schemas.openxmlformats.org/drawingml/2006/main" xmlns:r="http://schemas.openxmlformats.org/officeDocument/2006/relationships" xmlns:p="http://schemas.openxmlformats.org/presentationml/2006/main" xmlns:m="http://schemas.openxmlformats.org/officeDocument/2006/math" xmlns:w="http://schemas.openxmlformats.org/wordprocessingml/2006/main" matchingName="" preserve="1" showMasterPhAnim="0" showMasterSp="1" type="secHead" userDrawn="1">
   <p:cSld name="Section Header">
     <p:spTree>
       <p:nvGrpSpPr>
@@ -1554,7 +1554,7 @@
 </file>
 
 <file path=ppt/slideLayouts/slideLayout4.xml><?xml version="1.0" encoding="utf-8"?>
-<p:sldLayout xmlns:a="http://schemas.openxmlformats.org/drawingml/2006/main" xmlns:r="http://schemas.openxmlformats.org/officeDocument/2006/relationships" xmlns:p="http://schemas.openxmlformats.org/presentationml/2006/main" xmlns:m="http://schemas.openxmlformats.org/officeDocument/2006/math" xmlns:w="http://schemas.openxmlformats.org/wordprocessingml/2006/main" matchingName="" preserve="1" showMasterPhAnim="0" type="twoObj" userDrawn="1">
+<p:sldLayout xmlns:a="http://schemas.openxmlformats.org/drawingml/2006/main" xmlns:r="http://schemas.openxmlformats.org/officeDocument/2006/relationships" xmlns:p="http://schemas.openxmlformats.org/presentationml/2006/main" xmlns:m="http://schemas.openxmlformats.org/officeDocument/2006/math" xmlns:w="http://schemas.openxmlformats.org/wordprocessingml/2006/main" matchingName="" preserve="1" showMasterPhAnim="0" showMasterSp="1" type="twoObj" userDrawn="1">
   <p:cSld name="Two Content">
     <p:spTree>
       <p:nvGrpSpPr>
@@ -1821,7 +1821,7 @@
 </file>
 
 <file path=ppt/slideLayouts/slideLayout5.xml><?xml version="1.0" encoding="utf-8"?>
-<p:sldLayout xmlns:a="http://schemas.openxmlformats.org/drawingml/2006/main" xmlns:r="http://schemas.openxmlformats.org/officeDocument/2006/relationships" xmlns:p="http://schemas.openxmlformats.org/presentationml/2006/main" xmlns:m="http://schemas.openxmlformats.org/officeDocument/2006/math" xmlns:w="http://schemas.openxmlformats.org/wordprocessingml/2006/main" matchingName="" preserve="1" showMasterPhAnim="0" type="twoTxTwoObj" userDrawn="1">
+<p:sldLayout xmlns:a="http://schemas.openxmlformats.org/drawingml/2006/main" xmlns:r="http://schemas.openxmlformats.org/officeDocument/2006/relationships" xmlns:p="http://schemas.openxmlformats.org/presentationml/2006/main" xmlns:m="http://schemas.openxmlformats.org/officeDocument/2006/math" xmlns:w="http://schemas.openxmlformats.org/wordprocessingml/2006/main" matchingName="" preserve="1" showMasterPhAnim="0" showMasterSp="1" type="twoTxTwoObj" userDrawn="1">
   <p:cSld name="Comparison">
     <p:spTree>
       <p:nvGrpSpPr>
@@ -2229,7 +2229,7 @@
 </file>
 
 <file path=ppt/slideLayouts/slideLayout6.xml><?xml version="1.0" encoding="utf-8"?>
-<p:sldLayout xmlns:a="http://schemas.openxmlformats.org/drawingml/2006/main" xmlns:r="http://schemas.openxmlformats.org/officeDocument/2006/relationships" xmlns:p="http://schemas.openxmlformats.org/presentationml/2006/main" xmlns:m="http://schemas.openxmlformats.org/officeDocument/2006/math" xmlns:w="http://schemas.openxmlformats.org/wordprocessingml/2006/main" matchingName="" preserve="1" showMasterPhAnim="0" type="titleOnly" userDrawn="1">
+<p:sldLayout xmlns:a="http://schemas.openxmlformats.org/drawingml/2006/main" xmlns:r="http://schemas.openxmlformats.org/officeDocument/2006/relationships" xmlns:p="http://schemas.openxmlformats.org/presentationml/2006/main" xmlns:m="http://schemas.openxmlformats.org/officeDocument/2006/math" xmlns:w="http://schemas.openxmlformats.org/wordprocessingml/2006/main" matchingName="" preserve="1" showMasterPhAnim="0" showMasterSp="1" type="titleOnly" userDrawn="1">
   <p:cSld name="Title Only">
     <p:spTree>
       <p:nvGrpSpPr>
@@ -2354,7 +2354,7 @@
 </file>
 
 <file path=ppt/slideLayouts/slideLayout7.xml><?xml version="1.0" encoding="utf-8"?>
-<p:sldLayout xmlns:a="http://schemas.openxmlformats.org/drawingml/2006/main" xmlns:r="http://schemas.openxmlformats.org/officeDocument/2006/relationships" xmlns:p="http://schemas.openxmlformats.org/presentationml/2006/main" xmlns:m="http://schemas.openxmlformats.org/officeDocument/2006/math" xmlns:w="http://schemas.openxmlformats.org/wordprocessingml/2006/main" matchingName="" preserve="1" showMasterPhAnim="0" type="blank" userDrawn="1">
+<p:sldLayout xmlns:a="http://schemas.openxmlformats.org/drawingml/2006/main" xmlns:r="http://schemas.openxmlformats.org/officeDocument/2006/relationships" xmlns:p="http://schemas.openxmlformats.org/presentationml/2006/main" xmlns:m="http://schemas.openxmlformats.org/officeDocument/2006/math" xmlns:w="http://schemas.openxmlformats.org/wordprocessingml/2006/main" matchingName="" preserve="1" showMasterPhAnim="0" showMasterSp="1" type="blank" userDrawn="1">
   <p:cSld name="Blank">
     <p:spTree>
       <p:nvGrpSpPr>
@@ -2453,7 +2453,7 @@
 </file>
 
 <file path=ppt/slideLayouts/slideLayout8.xml><?xml version="1.0" encoding="utf-8"?>
-<p:sldLayout xmlns:a="http://schemas.openxmlformats.org/drawingml/2006/main" xmlns:r="http://schemas.openxmlformats.org/officeDocument/2006/relationships" xmlns:p="http://schemas.openxmlformats.org/presentationml/2006/main" xmlns:m="http://schemas.openxmlformats.org/officeDocument/2006/math" xmlns:w="http://schemas.openxmlformats.org/wordprocessingml/2006/main" matchingName="" preserve="1" showMasterPhAnim="0" type="objTx" userDrawn="1">
+<p:sldLayout xmlns:a="http://schemas.openxmlformats.org/drawingml/2006/main" xmlns:r="http://schemas.openxmlformats.org/officeDocument/2006/relationships" xmlns:p="http://schemas.openxmlformats.org/presentationml/2006/main" xmlns:m="http://schemas.openxmlformats.org/officeDocument/2006/math" xmlns:w="http://schemas.openxmlformats.org/wordprocessingml/2006/main" matchingName="" preserve="1" showMasterPhAnim="0" showMasterSp="1" type="objTx" userDrawn="1">
   <p:cSld name="Content with Caption">
     <p:spTree>
       <p:nvGrpSpPr>
@@ -2754,7 +2754,7 @@
 </file>
 
 <file path=ppt/slideLayouts/slideLayout9.xml><?xml version="1.0" encoding="utf-8"?>
-<p:sldLayout xmlns:a="http://schemas.openxmlformats.org/drawingml/2006/main" xmlns:r="http://schemas.openxmlformats.org/officeDocument/2006/relationships" xmlns:p="http://schemas.openxmlformats.org/presentationml/2006/main" xmlns:m="http://schemas.openxmlformats.org/officeDocument/2006/math" xmlns:w="http://schemas.openxmlformats.org/wordprocessingml/2006/main" matchingName="" preserve="1" showMasterPhAnim="0" type="picTx" userDrawn="1">
+<p:sldLayout xmlns:a="http://schemas.openxmlformats.org/drawingml/2006/main" xmlns:r="http://schemas.openxmlformats.org/officeDocument/2006/relationships" xmlns:p="http://schemas.openxmlformats.org/presentationml/2006/main" xmlns:m="http://schemas.openxmlformats.org/officeDocument/2006/math" xmlns:w="http://schemas.openxmlformats.org/wordprocessingml/2006/main" matchingName="" preserve="1" showMasterPhAnim="0" showMasterSp="1" type="picTx" userDrawn="1">
   <p:cSld name="Picture with Caption">
     <p:spTree>
       <p:nvGrpSpPr>
@@ -3585,7 +3585,7 @@
 </file>
 
 <file path=ppt/slides/slide1.xml><?xml version="1.0" encoding="utf-8"?>
-<p:sld xmlns:a="http://schemas.openxmlformats.org/drawingml/2006/main" xmlns:r="http://schemas.openxmlformats.org/officeDocument/2006/relationships" xmlns:p="http://schemas.openxmlformats.org/presentationml/2006/main" xmlns:m="http://schemas.openxmlformats.org/officeDocument/2006/math" xmlns:w="http://schemas.openxmlformats.org/wordprocessingml/2006/main" showMasterPhAnim="0" show="1">
+<p:sld xmlns:a="http://schemas.openxmlformats.org/drawingml/2006/main" xmlns:r="http://schemas.openxmlformats.org/officeDocument/2006/relationships" xmlns:p="http://schemas.openxmlformats.org/presentationml/2006/main" xmlns:m="http://schemas.openxmlformats.org/officeDocument/2006/math" xmlns:w="http://schemas.openxmlformats.org/wordprocessingml/2006/main" xmlns:mc="http://schemas.openxmlformats.org/markup-compatibility/2006" showMasterPhAnim="0" showMasterSp="1" show="1">
   <p:cSld name="">
     <p:bg>
       <p:bgPr shadeToTitle="0">
@@ -3674,8 +3674,8 @@
         </p:nvSpPr>
         <p:spPr bwMode="auto">
           <a:xfrm flipH="0" flipV="0">
-            <a:off x="3763094" y="3505199"/>
-            <a:ext cx="1467929" cy="366119"/>
+            <a:off x="3763093" y="3505198"/>
+            <a:ext cx="1472968" cy="366119"/>
           </a:xfrm>
           <a:prstGeom prst="rect">
             <a:avLst/>
@@ -3696,7 +3696,7 @@
                   <a:srgbClr val="FFFF00"/>
                 </a:highlight>
               </a:rPr>
-              <a:t>backspace</a:t>
+              <a:t>enter</a:t>
             </a:r>
             <a:endParaRPr/>
           </a:p>
@@ -7775,14 +7775,14 @@
       </p:sp>
       <p:sp>
         <p:nvSpPr>
-          <p:cNvPr id="1068246948" name=""/>
+          <p:cNvPr id="248453251" name=""/>
           <p:cNvSpPr/>
           <p:nvPr/>
         </p:nvSpPr>
         <p:spPr bwMode="auto">
           <a:xfrm flipH="0" flipV="0">
-            <a:off x="6095999" y="3045814"/>
-            <a:ext cx="513454" cy="162740"/>
+            <a:off x="7874094" y="3042952"/>
+            <a:ext cx="123271" cy="162739"/>
           </a:xfrm>
           <a:prstGeom prst="rect">
             <a:avLst/>
@@ -7826,14 +7826,14 @@
       </p:sp>
       <p:sp>
         <p:nvSpPr>
-          <p:cNvPr id="248453251" name=""/>
+          <p:cNvPr id="1407299542" name=""/>
           <p:cNvSpPr/>
           <p:nvPr/>
         </p:nvSpPr>
         <p:spPr bwMode="auto">
           <a:xfrm flipH="0" flipV="0">
-            <a:off x="7874094" y="3042952"/>
-            <a:ext cx="123271" cy="162739"/>
+            <a:off x="8718203" y="3042951"/>
+            <a:ext cx="350748" cy="201161"/>
           </a:xfrm>
           <a:prstGeom prst="rect">
             <a:avLst/>
@@ -7871,20 +7871,110 @@
             <a:pPr>
               <a:defRPr/>
             </a:pPr>
+            <a:r>
+              <a:rPr sz="1000">
+                <a:solidFill>
+                  <a:schemeClr val="tx1"/>
+                </a:solidFill>
+              </a:rPr>
+              <a:t>or</a:t>
+            </a:r>
             <a:endParaRPr sz="1000"/>
           </a:p>
         </p:txBody>
       </p:sp>
       <p:sp>
         <p:nvSpPr>
-          <p:cNvPr id="1407299542" name=""/>
+          <p:cNvPr id="1784644944" name=""/>
+          <p:cNvSpPr txBox="1"/>
+          <p:nvPr/>
+        </p:nvSpPr>
+        <p:spPr bwMode="auto">
+          <a:xfrm flipH="0" flipV="0">
+            <a:off x="7543830" y="2811952"/>
+            <a:ext cx="708412" cy="244199"/>
+          </a:xfrm>
+          <a:prstGeom prst="rect">
+            <a:avLst/>
+          </a:prstGeom>
+          <a:noFill/>
+        </p:spPr>
+        <p:txBody>
+          <a:bodyPr vertOverflow="overflow" horzOverflow="overflow" vert="horz" wrap="square" lIns="91440" tIns="45720" rIns="91440" bIns="45720" numCol="1" spcCol="0" rtlCol="0" fromWordArt="0" anchor="t" anchorCtr="0" forceAA="0" upright="0" compatLnSpc="0">
+            <a:spAutoFit/>
+          </a:bodyPr>
+          <a:p>
+            <a:pPr>
+              <a:defRPr/>
+            </a:pPr>
+            <a:r>
+              <a:rPr sz="1000">
+                <a:highlight>
+                  <a:srgbClr val="00FF00"/>
+                </a:highlight>
+              </a:rPr>
+              <a:t>pgUp</a:t>
+            </a:r>
+            <a:endParaRPr sz="1000">
+              <a:highlight>
+                <a:srgbClr val="00FF00"/>
+              </a:highlight>
+            </a:endParaRPr>
+          </a:p>
+        </p:txBody>
+      </p:sp>
+      <p:sp>
+        <p:nvSpPr>
+          <p:cNvPr id="618556961" name=""/>
+          <p:cNvSpPr txBox="1"/>
+          <p:nvPr/>
+        </p:nvSpPr>
+        <p:spPr bwMode="auto">
+          <a:xfrm flipH="0" flipV="0">
+            <a:off x="9068952" y="2237508"/>
+            <a:ext cx="991835" cy="228960"/>
+          </a:xfrm>
+          <a:prstGeom prst="rect">
+            <a:avLst/>
+          </a:prstGeom>
+          <a:noFill/>
+        </p:spPr>
+        <p:txBody>
+          <a:bodyPr vertOverflow="overflow" horzOverflow="overflow" vert="horz" wrap="square" lIns="91440" tIns="45720" rIns="91440" bIns="45720" numCol="1" spcCol="0" rtlCol="0" fromWordArt="0" anchor="t" anchorCtr="0" forceAA="0" upright="0" compatLnSpc="0">
+            <a:spAutoFit/>
+          </a:bodyPr>
+          <a:p>
+            <a:pPr>
+              <a:defRPr/>
+            </a:pPr>
+            <a:r>
+              <a:rPr lang="en-US" sz="900" b="0" i="0" u="none" strike="noStrike" cap="none" spc="0">
+                <a:solidFill>
+                  <a:schemeClr val="tx1"/>
+                </a:solidFill>
+                <a:highlight>
+                  <a:srgbClr val="00FF00"/>
+                </a:highlight>
+                <a:latin typeface="Arial"/>
+                <a:ea typeface="Arial"/>
+                <a:cs typeface="Arial"/>
+              </a:rPr>
+              <a:t>menu</a:t>
+            </a:r>
+            <a:endParaRPr sz="900"/>
+          </a:p>
+        </p:txBody>
+      </p:sp>
+      <p:sp>
+        <p:nvSpPr>
+          <p:cNvPr id="688086698" name=""/>
           <p:cNvSpPr/>
           <p:nvPr/>
         </p:nvSpPr>
         <p:spPr bwMode="auto">
           <a:xfrm flipH="0" flipV="0">
-            <a:off x="8718204" y="3042952"/>
-            <a:ext cx="325518" cy="201162"/>
+            <a:off x="6130534" y="3036713"/>
+            <a:ext cx="475935" cy="213638"/>
           </a:xfrm>
           <a:prstGeom prst="rect">
             <a:avLst/>
@@ -7923,54 +8013,14 @@
               <a:defRPr/>
             </a:pPr>
             <a:r>
-              <a:rPr sz="1000">
+              <a:rPr sz="800">
                 <a:solidFill>
                   <a:schemeClr val="tx1"/>
                 </a:solidFill>
               </a:rPr>
-              <a:t>or</a:t>
+              <a:t>bright</a:t>
             </a:r>
             <a:endParaRPr sz="1000"/>
-          </a:p>
-        </p:txBody>
-      </p:sp>
-      <p:sp>
-        <p:nvSpPr>
-          <p:cNvPr id="1784644944" name=""/>
-          <p:cNvSpPr txBox="1"/>
-          <p:nvPr/>
-        </p:nvSpPr>
-        <p:spPr bwMode="auto">
-          <a:xfrm flipH="0" flipV="0">
-            <a:off x="7543830" y="2811952"/>
-            <a:ext cx="708412" cy="244199"/>
-          </a:xfrm>
-          <a:prstGeom prst="rect">
-            <a:avLst/>
-          </a:prstGeom>
-          <a:noFill/>
-        </p:spPr>
-        <p:txBody>
-          <a:bodyPr vertOverflow="overflow" horzOverflow="overflow" vert="horz" wrap="square" lIns="91440" tIns="45720" rIns="91440" bIns="45720" numCol="1" spcCol="0" rtlCol="0" fromWordArt="0" anchor="t" anchorCtr="0" forceAA="0" upright="0" compatLnSpc="0">
-            <a:spAutoFit/>
-          </a:bodyPr>
-          <a:p>
-            <a:pPr>
-              <a:defRPr/>
-            </a:pPr>
-            <a:r>
-              <a:rPr sz="1000">
-                <a:highlight>
-                  <a:srgbClr val="00FF00"/>
-                </a:highlight>
-              </a:rPr>
-              <a:t>pgUp</a:t>
-            </a:r>
-            <a:endParaRPr sz="1000">
-              <a:highlight>
-                <a:srgbClr val="00FF00"/>
-              </a:highlight>
-            </a:endParaRPr>
           </a:p>
         </p:txBody>
       </p:sp>

--- a/keyb.pptx
+++ b/keyb.pptx
@@ -3590,7 +3590,7 @@
     <p:bg>
       <p:bgPr shadeToTitle="0">
         <a:solidFill>
-          <a:srgbClr val="FFC000"/>
+          <a:srgbClr val="92D050"/>
         </a:solidFill>
       </p:bgPr>
     </p:bg>
@@ -3674,7 +3674,7 @@
         </p:nvSpPr>
         <p:spPr bwMode="auto">
           <a:xfrm flipH="0" flipV="0">
-            <a:off x="3763093" y="3505198"/>
+            <a:off x="3762373" y="3505198"/>
             <a:ext cx="1472968" cy="366119"/>
           </a:xfrm>
           <a:prstGeom prst="rect">
@@ -4872,8 +4872,8 @@
         </p:nvSpPr>
         <p:spPr bwMode="auto">
           <a:xfrm flipH="0" flipV="0">
-            <a:off x="8994319" y="792656"/>
-            <a:ext cx="531399" cy="305159"/>
+            <a:off x="8994318" y="792655"/>
+            <a:ext cx="532838" cy="305159"/>
           </a:xfrm>
           <a:prstGeom prst="rect">
             <a:avLst/>
@@ -4900,7 +4900,7 @@
                 <a:ea typeface="Arial"/>
                 <a:cs typeface="Arial"/>
               </a:rPr>
-              <a:t>del</a:t>
+              <a:t>#</a:t>
             </a:r>
             <a:endParaRPr/>
           </a:p>
@@ -6346,7 +6346,7 @@
         </p:nvSpPr>
         <p:spPr bwMode="auto">
           <a:xfrm flipH="0" flipV="0">
-            <a:off x="9664698" y="2786555"/>
+            <a:off x="9533514" y="2803522"/>
             <a:ext cx="350257" cy="457560"/>
           </a:xfrm>
           <a:prstGeom prst="rect">
@@ -7775,14 +7775,14 @@
       </p:sp>
       <p:sp>
         <p:nvSpPr>
-          <p:cNvPr id="248453251" name=""/>
+          <p:cNvPr id="1407299542" name=""/>
           <p:cNvSpPr/>
           <p:nvPr/>
         </p:nvSpPr>
         <p:spPr bwMode="auto">
           <a:xfrm flipH="0" flipV="0">
-            <a:off x="7874094" y="3042952"/>
-            <a:ext cx="123271" cy="162739"/>
+            <a:off x="8718203" y="3042951"/>
+            <a:ext cx="350748" cy="201161"/>
           </a:xfrm>
           <a:prstGeom prst="rect">
             <a:avLst/>
@@ -7820,20 +7820,110 @@
             <a:pPr>
               <a:defRPr/>
             </a:pPr>
+            <a:r>
+              <a:rPr sz="1000">
+                <a:solidFill>
+                  <a:schemeClr val="tx1"/>
+                </a:solidFill>
+              </a:rPr>
+              <a:t>or</a:t>
+            </a:r>
             <a:endParaRPr sz="1000"/>
           </a:p>
         </p:txBody>
       </p:sp>
       <p:sp>
         <p:nvSpPr>
-          <p:cNvPr id="1407299542" name=""/>
+          <p:cNvPr id="1784644944" name=""/>
+          <p:cNvSpPr txBox="1"/>
+          <p:nvPr/>
+        </p:nvSpPr>
+        <p:spPr bwMode="auto">
+          <a:xfrm flipH="0" flipV="0">
+            <a:off x="7543830" y="2811952"/>
+            <a:ext cx="708412" cy="244199"/>
+          </a:xfrm>
+          <a:prstGeom prst="rect">
+            <a:avLst/>
+          </a:prstGeom>
+          <a:noFill/>
+        </p:spPr>
+        <p:txBody>
+          <a:bodyPr vertOverflow="overflow" horzOverflow="overflow" vert="horz" wrap="square" lIns="91440" tIns="45720" rIns="91440" bIns="45720" numCol="1" spcCol="0" rtlCol="0" fromWordArt="0" anchor="t" anchorCtr="0" forceAA="0" upright="0" compatLnSpc="0">
+            <a:spAutoFit/>
+          </a:bodyPr>
+          <a:p>
+            <a:pPr>
+              <a:defRPr/>
+            </a:pPr>
+            <a:r>
+              <a:rPr sz="1000">
+                <a:highlight>
+                  <a:srgbClr val="00FF00"/>
+                </a:highlight>
+              </a:rPr>
+              <a:t>pgUp</a:t>
+            </a:r>
+            <a:endParaRPr sz="1000">
+              <a:highlight>
+                <a:srgbClr val="00FF00"/>
+              </a:highlight>
+            </a:endParaRPr>
+          </a:p>
+        </p:txBody>
+      </p:sp>
+      <p:sp>
+        <p:nvSpPr>
+          <p:cNvPr id="618556961" name=""/>
+          <p:cNvSpPr txBox="1"/>
+          <p:nvPr/>
+        </p:nvSpPr>
+        <p:spPr bwMode="auto">
+          <a:xfrm flipH="0" flipV="0">
+            <a:off x="9068951" y="2237508"/>
+            <a:ext cx="999754" cy="228960"/>
+          </a:xfrm>
+          <a:prstGeom prst="rect">
+            <a:avLst/>
+          </a:prstGeom>
+          <a:noFill/>
+        </p:spPr>
+        <p:txBody>
+          <a:bodyPr vertOverflow="overflow" horzOverflow="overflow" vert="horz" wrap="square" lIns="91440" tIns="45720" rIns="91440" bIns="45720" numCol="1" spcCol="0" rtlCol="0" fromWordArt="0" anchor="t" anchorCtr="0" forceAA="0" upright="0" compatLnSpc="0">
+            <a:spAutoFit/>
+          </a:bodyPr>
+          <a:p>
+            <a:pPr>
+              <a:defRPr/>
+            </a:pPr>
+            <a:r>
+              <a:rPr lang="en-US" sz="900" b="0" i="0" u="none" strike="noStrike" cap="none" spc="0">
+                <a:solidFill>
+                  <a:schemeClr val="tx1"/>
+                </a:solidFill>
+                <a:highlight>
+                  <a:srgbClr val="00FF00"/>
+                </a:highlight>
+                <a:latin typeface="Arial"/>
+                <a:ea typeface="Arial"/>
+                <a:cs typeface="Arial"/>
+              </a:rPr>
+              <a:t>gpt_click</a:t>
+            </a:r>
+            <a:endParaRPr sz="900"/>
+          </a:p>
+        </p:txBody>
+      </p:sp>
+      <p:sp>
+        <p:nvSpPr>
+          <p:cNvPr id="688086698" name=""/>
           <p:cNvSpPr/>
           <p:nvPr/>
         </p:nvSpPr>
         <p:spPr bwMode="auto">
           <a:xfrm flipH="0" flipV="0">
-            <a:off x="8718203" y="3042951"/>
-            <a:ext cx="350748" cy="201161"/>
+            <a:off x="6130534" y="3036713"/>
+            <a:ext cx="475935" cy="213638"/>
           </a:xfrm>
           <a:prstGeom prst="rect">
             <a:avLst/>
@@ -7872,147 +7962,6 @@
               <a:defRPr/>
             </a:pPr>
             <a:r>
-              <a:rPr sz="1000">
-                <a:solidFill>
-                  <a:schemeClr val="tx1"/>
-                </a:solidFill>
-              </a:rPr>
-              <a:t>or</a:t>
-            </a:r>
-            <a:endParaRPr sz="1000"/>
-          </a:p>
-        </p:txBody>
-      </p:sp>
-      <p:sp>
-        <p:nvSpPr>
-          <p:cNvPr id="1784644944" name=""/>
-          <p:cNvSpPr txBox="1"/>
-          <p:nvPr/>
-        </p:nvSpPr>
-        <p:spPr bwMode="auto">
-          <a:xfrm flipH="0" flipV="0">
-            <a:off x="7543830" y="2811952"/>
-            <a:ext cx="708412" cy="244199"/>
-          </a:xfrm>
-          <a:prstGeom prst="rect">
-            <a:avLst/>
-          </a:prstGeom>
-          <a:noFill/>
-        </p:spPr>
-        <p:txBody>
-          <a:bodyPr vertOverflow="overflow" horzOverflow="overflow" vert="horz" wrap="square" lIns="91440" tIns="45720" rIns="91440" bIns="45720" numCol="1" spcCol="0" rtlCol="0" fromWordArt="0" anchor="t" anchorCtr="0" forceAA="0" upright="0" compatLnSpc="0">
-            <a:spAutoFit/>
-          </a:bodyPr>
-          <a:p>
-            <a:pPr>
-              <a:defRPr/>
-            </a:pPr>
-            <a:r>
-              <a:rPr sz="1000">
-                <a:highlight>
-                  <a:srgbClr val="00FF00"/>
-                </a:highlight>
-              </a:rPr>
-              <a:t>pgUp</a:t>
-            </a:r>
-            <a:endParaRPr sz="1000">
-              <a:highlight>
-                <a:srgbClr val="00FF00"/>
-              </a:highlight>
-            </a:endParaRPr>
-          </a:p>
-        </p:txBody>
-      </p:sp>
-      <p:sp>
-        <p:nvSpPr>
-          <p:cNvPr id="618556961" name=""/>
-          <p:cNvSpPr txBox="1"/>
-          <p:nvPr/>
-        </p:nvSpPr>
-        <p:spPr bwMode="auto">
-          <a:xfrm flipH="0" flipV="0">
-            <a:off x="9068952" y="2237508"/>
-            <a:ext cx="991835" cy="228960"/>
-          </a:xfrm>
-          <a:prstGeom prst="rect">
-            <a:avLst/>
-          </a:prstGeom>
-          <a:noFill/>
-        </p:spPr>
-        <p:txBody>
-          <a:bodyPr vertOverflow="overflow" horzOverflow="overflow" vert="horz" wrap="square" lIns="91440" tIns="45720" rIns="91440" bIns="45720" numCol="1" spcCol="0" rtlCol="0" fromWordArt="0" anchor="t" anchorCtr="0" forceAA="0" upright="0" compatLnSpc="0">
-            <a:spAutoFit/>
-          </a:bodyPr>
-          <a:p>
-            <a:pPr>
-              <a:defRPr/>
-            </a:pPr>
-            <a:r>
-              <a:rPr lang="en-US" sz="900" b="0" i="0" u="none" strike="noStrike" cap="none" spc="0">
-                <a:solidFill>
-                  <a:schemeClr val="tx1"/>
-                </a:solidFill>
-                <a:highlight>
-                  <a:srgbClr val="00FF00"/>
-                </a:highlight>
-                <a:latin typeface="Arial"/>
-                <a:ea typeface="Arial"/>
-                <a:cs typeface="Arial"/>
-              </a:rPr>
-              <a:t>menu</a:t>
-            </a:r>
-            <a:endParaRPr sz="900"/>
-          </a:p>
-        </p:txBody>
-      </p:sp>
-      <p:sp>
-        <p:nvSpPr>
-          <p:cNvPr id="688086698" name=""/>
-          <p:cNvSpPr/>
-          <p:nvPr/>
-        </p:nvSpPr>
-        <p:spPr bwMode="auto">
-          <a:xfrm flipH="0" flipV="0">
-            <a:off x="6130534" y="3036713"/>
-            <a:ext cx="475935" cy="213638"/>
-          </a:xfrm>
-          <a:prstGeom prst="rect">
-            <a:avLst/>
-          </a:prstGeom>
-          <a:solidFill>
-            <a:srgbClr val="E532EB">
-              <a:alpha val="99999"/>
-            </a:srgbClr>
-          </a:solidFill>
-          <a:ln w="12700" cap="flat" cmpd="sng" algn="ctr">
-            <a:noFill/>
-            <a:prstDash val="solid"/>
-            <a:miter lim="800000"/>
-          </a:ln>
-        </p:spPr>
-        <p:style>
-          <a:lnRef idx="2">
-            <a:schemeClr val="accent1">
-              <a:shade val="50000"/>
-            </a:schemeClr>
-          </a:lnRef>
-          <a:fillRef idx="1">
-            <a:schemeClr val="accent1"/>
-          </a:fillRef>
-          <a:effectRef idx="0">
-            <a:schemeClr val="accent1"/>
-          </a:effectRef>
-          <a:fontRef idx="minor">
-            <a:schemeClr val="lt1"/>
-          </a:fontRef>
-        </p:style>
-        <p:txBody>
-          <a:bodyPr/>
-          <a:p>
-            <a:pPr>
-              <a:defRPr/>
-            </a:pPr>
-            <a:r>
               <a:rPr sz="800">
                 <a:solidFill>
                   <a:schemeClr val="tx1"/>
@@ -8021,6 +7970,94 @@
               <a:t>bright</a:t>
             </a:r>
             <a:endParaRPr sz="1000"/>
+          </a:p>
+        </p:txBody>
+      </p:sp>
+      <p:sp>
+        <p:nvSpPr>
+          <p:cNvPr id="2133536052" name=""/>
+          <p:cNvSpPr txBox="1"/>
+          <p:nvPr/>
+        </p:nvSpPr>
+        <p:spPr bwMode="auto">
+          <a:xfrm flipH="0" flipV="0">
+            <a:off x="9682803" y="2934051"/>
+            <a:ext cx="713091" cy="244199"/>
+          </a:xfrm>
+          <a:prstGeom prst="rect">
+            <a:avLst/>
+          </a:prstGeom>
+          <a:noFill/>
+        </p:spPr>
+        <p:txBody>
+          <a:bodyPr vertOverflow="overflow" horzOverflow="overflow" vert="horz" wrap="square" lIns="91440" tIns="45720" rIns="91440" bIns="45720" numCol="1" spcCol="0" rtlCol="0" fromWordArt="0" anchor="t" anchorCtr="0" forceAA="0" upright="0" compatLnSpc="0">
+            <a:spAutoFit/>
+          </a:bodyPr>
+          <a:p>
+            <a:pPr>
+              <a:defRPr/>
+            </a:pPr>
+            <a:r>
+              <a:rPr sz="1000">
+                <a:highlight>
+                  <a:srgbClr val="FFFF00"/>
+                </a:highlight>
+              </a:rPr>
+              <a:t>shift</a:t>
+            </a:r>
+            <a:endParaRPr sz="1000">
+              <a:highlight>
+                <a:srgbClr val="00FF00"/>
+              </a:highlight>
+            </a:endParaRPr>
+          </a:p>
+        </p:txBody>
+      </p:sp>
+      <p:sp>
+        <p:nvSpPr>
+          <p:cNvPr id="967088040" name=""/>
+          <p:cNvSpPr txBox="1"/>
+          <p:nvPr/>
+        </p:nvSpPr>
+        <p:spPr bwMode="auto">
+          <a:xfrm flipH="0" flipV="0">
+            <a:off x="7772395" y="2999913"/>
+            <a:ext cx="716331" cy="244199"/>
+          </a:xfrm>
+          <a:prstGeom prst="rect">
+            <a:avLst/>
+          </a:prstGeom>
+          <a:noFill/>
+        </p:spPr>
+        <p:txBody>
+          <a:bodyPr vertOverflow="overflow" horzOverflow="overflow" vert="horz" wrap="square" lIns="91440" tIns="45720" rIns="91440" bIns="45720" numCol="1" spcCol="0" rtlCol="0" fromWordArt="0" anchor="t" anchorCtr="0" forceAA="0" upright="0" compatLnSpc="0">
+            <a:spAutoFit/>
+          </a:bodyPr>
+          <a:p>
+            <a:pPr>
+              <a:defRPr/>
+            </a:pPr>
+            <a:r>
+              <a:rPr sz="1000">
+                <a:highlight>
+                  <a:srgbClr val="FF00FF"/>
+                </a:highlight>
+              </a:rPr>
+              <a:t>whi</a:t>
+            </a:r>
+            <a:r>
+              <a:rPr sz="1000">
+                <a:highlight>
+                  <a:srgbClr val="FF00FF"/>
+                </a:highlight>
+              </a:rPr>
+              <a:t>t</a:t>
+            </a:r>
+            <a:endParaRPr sz="1000">
+              <a:highlight>
+                <a:srgbClr val="00FF00"/>
+              </a:highlight>
+            </a:endParaRPr>
           </a:p>
         </p:txBody>
       </p:sp>

--- a/keyb.pptx
+++ b/keyb.pptx
@@ -8058,6 +8058,48 @@
                 <a:srgbClr val="00FF00"/>
               </a:highlight>
             </a:endParaRPr>
+          </a:p>
+        </p:txBody>
+      </p:sp>
+      <p:sp>
+        <p:nvSpPr>
+          <p:cNvPr id="1923260758" name=""/>
+          <p:cNvSpPr txBox="1"/>
+          <p:nvPr/>
+        </p:nvSpPr>
+        <p:spPr bwMode="auto">
+          <a:xfrm flipH="0" flipV="0">
+            <a:off x="6722343" y="2781295"/>
+            <a:ext cx="1000113" cy="228960"/>
+          </a:xfrm>
+          <a:prstGeom prst="rect">
+            <a:avLst/>
+          </a:prstGeom>
+          <a:noFill/>
+        </p:spPr>
+        <p:txBody>
+          <a:bodyPr vertOverflow="overflow" horzOverflow="overflow" vert="horz" wrap="square" lIns="91440" tIns="45720" rIns="91440" bIns="45720" numCol="1" spcCol="0" rtlCol="0" fromWordArt="0" anchor="t" anchorCtr="0" forceAA="0" upright="0" compatLnSpc="0">
+            <a:spAutoFit/>
+          </a:bodyPr>
+          <a:p>
+            <a:pPr>
+              <a:defRPr/>
+            </a:pPr>
+            <a:r>
+              <a:rPr lang="en-US" sz="900" b="0" i="0" u="none" strike="noStrike" cap="none" spc="0">
+                <a:solidFill>
+                  <a:schemeClr val="tx1"/>
+                </a:solidFill>
+                <a:highlight>
+                  <a:srgbClr val="00FF00"/>
+                </a:highlight>
+                <a:latin typeface="Arial"/>
+                <a:ea typeface="Arial"/>
+                <a:cs typeface="Arial"/>
+              </a:rPr>
+              <a:t>gpt_click</a:t>
+            </a:r>
+            <a:endParaRPr sz="900"/>
           </a:p>
         </p:txBody>
       </p:sp>

--- a/keyb.pptx
+++ b/keyb.pptx
@@ -6346,7 +6346,7 @@
         </p:nvSpPr>
         <p:spPr bwMode="auto">
           <a:xfrm flipH="0" flipV="0">
-            <a:off x="9533514" y="2803522"/>
+            <a:off x="9489163" y="1831972"/>
             <a:ext cx="350257" cy="457560"/>
           </a:xfrm>
           <a:prstGeom prst="rect">
@@ -7981,8 +7981,8 @@
         </p:nvSpPr>
         <p:spPr bwMode="auto">
           <a:xfrm flipH="0" flipV="0">
-            <a:off x="9682803" y="2934051"/>
-            <a:ext cx="713091" cy="244199"/>
+            <a:off x="9681363" y="2946539"/>
+            <a:ext cx="715970" cy="213719"/>
           </a:xfrm>
           <a:prstGeom prst="rect">
             <a:avLst/>
@@ -7998,14 +7998,22 @@
               <a:defRPr/>
             </a:pPr>
             <a:r>
-              <a:rPr sz="1000">
+              <a:rPr sz="800">
+                <a:highlight>
+                  <a:srgbClr val="FFFF00"/>
+                </a:highlight>
+              </a:rPr>
+              <a:t>hold:</a:t>
+            </a:r>
+            <a:r>
+              <a:rPr sz="800">
                 <a:highlight>
                   <a:srgbClr val="FFFF00"/>
                 </a:highlight>
               </a:rPr>
               <a:t>shift</a:t>
             </a:r>
-            <a:endParaRPr sz="1000">
+            <a:endParaRPr sz="800">
               <a:highlight>
                 <a:srgbClr val="00FF00"/>
               </a:highlight>
@@ -8100,6 +8108,90 @@
               <a:t>gpt_click</a:t>
             </a:r>
             <a:endParaRPr sz="900"/>
+          </a:p>
+        </p:txBody>
+      </p:sp>
+      <p:sp>
+        <p:nvSpPr>
+          <p:cNvPr id="1030023750" name=""/>
+          <p:cNvSpPr txBox="1"/>
+          <p:nvPr/>
+        </p:nvSpPr>
+        <p:spPr bwMode="auto">
+          <a:xfrm flipH="0" flipV="0">
+            <a:off x="2476497" y="3714022"/>
+            <a:ext cx="973726" cy="305159"/>
+          </a:xfrm>
+          <a:prstGeom prst="rect">
+            <a:avLst/>
+          </a:prstGeom>
+          <a:noFill/>
+        </p:spPr>
+        <p:txBody>
+          <a:bodyPr vertOverflow="overflow" horzOverflow="overflow" vert="horz" wrap="square" lIns="91440" tIns="45720" rIns="91440" bIns="45720" numCol="1" spcCol="0" rtlCol="0" fromWordArt="0" anchor="t" anchorCtr="0" forceAA="0" upright="0" compatLnSpc="0">
+            <a:spAutoFit/>
+          </a:bodyPr>
+          <a:p>
+            <a:pPr>
+              <a:defRPr/>
+            </a:pPr>
+            <a:r>
+              <a:rPr lang="en-US" sz="1400" b="0" i="0" u="none" strike="noStrike" cap="none" spc="0">
+                <a:solidFill>
+                  <a:schemeClr val="tx1"/>
+                </a:solidFill>
+                <a:highlight>
+                  <a:srgbClr val="00FFFF"/>
+                </a:highlight>
+                <a:latin typeface="Arial"/>
+                <a:ea typeface="Arial"/>
+                <a:cs typeface="Arial"/>
+              </a:rPr>
+              <a:t>ctrl</a:t>
+            </a:r>
+            <a:endParaRPr/>
+          </a:p>
+        </p:txBody>
+      </p:sp>
+      <p:sp>
+        <p:nvSpPr>
+          <p:cNvPr id="1852436078" name=""/>
+          <p:cNvSpPr txBox="1"/>
+          <p:nvPr/>
+        </p:nvSpPr>
+        <p:spPr bwMode="auto">
+          <a:xfrm flipH="0" flipV="0">
+            <a:off x="9681363" y="2689959"/>
+            <a:ext cx="308484" cy="259439"/>
+          </a:xfrm>
+          <a:prstGeom prst="rect">
+            <a:avLst/>
+          </a:prstGeom>
+          <a:noFill/>
+        </p:spPr>
+        <p:txBody>
+          <a:bodyPr vertOverflow="overflow" horzOverflow="overflow" vert="horz" wrap="square" lIns="91440" tIns="45720" rIns="91440" bIns="45720" numCol="1" spcCol="0" rtlCol="0" fromWordArt="0" anchor="t" anchorCtr="0" forceAA="0" upright="0" compatLnSpc="0">
+            <a:spAutoFit/>
+          </a:bodyPr>
+          <a:p>
+            <a:pPr>
+              <a:defRPr/>
+            </a:pPr>
+            <a:r>
+              <a:rPr lang="en-US" sz="1100" b="0" i="0" u="none" strike="noStrike" cap="none" spc="0">
+                <a:solidFill>
+                  <a:schemeClr val="tx1"/>
+                </a:solidFill>
+                <a:highlight>
+                  <a:srgbClr val="FF0000"/>
+                </a:highlight>
+                <a:latin typeface="Arial"/>
+                <a:ea typeface="Arial"/>
+                <a:cs typeface="Arial"/>
+              </a:rPr>
+              <a:t>*</a:t>
+            </a:r>
+            <a:endParaRPr sz="1100"/>
           </a:p>
         </p:txBody>
       </p:sp>

--- a/keyb.pptx
+++ b/keyb.pptx
@@ -3622,7 +3622,7 @@
         </p:blipFill>
         <p:spPr bwMode="auto">
           <a:xfrm flipH="0" flipV="0">
-            <a:off x="-38099" y="-63499"/>
+            <a:off x="-38098" y="-66522"/>
             <a:ext cx="12420599" cy="4140199"/>
           </a:xfrm>
           <a:prstGeom prst="rect">
@@ -3638,8 +3638,8 @@
         </p:nvSpPr>
         <p:spPr bwMode="auto">
           <a:xfrm flipH="0" flipV="0">
-            <a:off x="3390899" y="3505199"/>
-            <a:ext cx="897149" cy="366119"/>
+            <a:off x="3313798" y="3244113"/>
+            <a:ext cx="449294" cy="366119"/>
           </a:xfrm>
           <a:prstGeom prst="rect">
             <a:avLst/>
@@ -3674,7 +3674,7 @@
         </p:nvSpPr>
         <p:spPr bwMode="auto">
           <a:xfrm flipH="0" flipV="0">
-            <a:off x="3762373" y="3505198"/>
+            <a:off x="3890505" y="3244113"/>
             <a:ext cx="1472968" cy="366119"/>
           </a:xfrm>
           <a:prstGeom prst="rect">
@@ -3772,7 +3772,7 @@
             <a:avLst/>
           </a:prstGeom>
           <a:solidFill>
-            <a:srgbClr val="92D050">
+            <a:srgbClr val="00FF00">
               <a:alpha val="55999"/>
             </a:srgbClr>
           </a:solidFill>
@@ -3820,7 +3820,7 @@
         </p:nvSpPr>
         <p:spPr bwMode="auto">
           <a:xfrm flipH="0" flipV="0">
-            <a:off x="5153744" y="3505199"/>
+            <a:off x="4602769" y="3288303"/>
             <a:ext cx="1898354" cy="366119"/>
           </a:xfrm>
           <a:prstGeom prst="rect">
@@ -5929,7 +5929,7 @@
             <a:avLst/>
           </a:prstGeom>
           <a:solidFill>
-            <a:srgbClr val="00B0F0">
+            <a:srgbClr val="00FFFF">
               <a:alpha val="67999"/>
             </a:srgbClr>
           </a:solidFill>
@@ -6300,7 +6300,7 @@
         </p:nvSpPr>
         <p:spPr bwMode="auto">
           <a:xfrm flipH="0" flipV="0">
-            <a:off x="6993481" y="3474718"/>
+            <a:off x="6563787" y="3244111"/>
             <a:ext cx="416965" cy="396599"/>
           </a:xfrm>
           <a:prstGeom prst="rect">
@@ -7274,8 +7274,8 @@
         </p:nvSpPr>
         <p:spPr bwMode="auto">
           <a:xfrm flipH="0" flipV="0">
-            <a:off x="835025" y="1978470"/>
-            <a:ext cx="536572" cy="417652"/>
+            <a:off x="979485" y="2048586"/>
+            <a:ext cx="258763" cy="319326"/>
           </a:xfrm>
           <a:prstGeom prst="rect">
             <a:avLst/>
@@ -7371,7 +7371,7 @@
         </p:nvSpPr>
         <p:spPr bwMode="auto">
           <a:xfrm flipH="0" flipV="0">
-            <a:off x="5934070" y="2816820"/>
+            <a:off x="6028179" y="2771626"/>
             <a:ext cx="945888" cy="259439"/>
           </a:xfrm>
           <a:prstGeom prst="rect">
@@ -7463,8 +7463,8 @@
         </p:nvSpPr>
         <p:spPr bwMode="auto">
           <a:xfrm flipH="0" flipV="0">
-            <a:off x="7442913" y="3505197"/>
-            <a:ext cx="536572" cy="417651"/>
+            <a:off x="3295647" y="3606071"/>
+            <a:ext cx="466724" cy="417650"/>
           </a:xfrm>
           <a:prstGeom prst="rect">
             <a:avLst/>
@@ -7722,17 +7722,13 @@
         </p:nvSpPr>
         <p:spPr bwMode="auto">
           <a:xfrm flipH="0" flipV="0">
-            <a:off x="6814577" y="2977234"/>
+            <a:off x="6886563" y="2913286"/>
             <a:ext cx="513455" cy="246890"/>
           </a:xfrm>
           <a:prstGeom prst="rect">
             <a:avLst/>
           </a:prstGeom>
-          <a:solidFill>
-            <a:srgbClr val="E532EB">
-              <a:alpha val="99999"/>
-            </a:srgbClr>
-          </a:solidFill>
+          <a:noFill/>
           <a:ln w="12700" cap="flat" cmpd="sng" algn="ctr">
             <a:noFill/>
             <a:prstDash val="solid"/>
@@ -7766,6 +7762,9 @@
                 <a:solidFill>
                   <a:schemeClr val="tx1"/>
                 </a:solidFill>
+                <a:highlight>
+                  <a:srgbClr val="FF00FF"/>
+                </a:highlight>
               </a:rPr>
               <a:t>dark</a:t>
             </a:r>
@@ -7922,17 +7921,13 @@
         </p:nvSpPr>
         <p:spPr bwMode="auto">
           <a:xfrm flipH="0" flipV="0">
-            <a:off x="6130534" y="3036713"/>
+            <a:off x="6392106" y="2946538"/>
             <a:ext cx="475935" cy="213638"/>
           </a:xfrm>
           <a:prstGeom prst="rect">
             <a:avLst/>
           </a:prstGeom>
-          <a:solidFill>
-            <a:srgbClr val="E532EB">
-              <a:alpha val="99999"/>
-            </a:srgbClr>
-          </a:solidFill>
+          <a:noFill/>
           <a:ln w="12700" cap="flat" cmpd="sng" algn="ctr">
             <a:noFill/>
             <a:prstDash val="solid"/>
@@ -7966,6 +7961,9 @@
                 <a:solidFill>
                   <a:schemeClr val="tx1"/>
                 </a:solidFill>
+                <a:highlight>
+                  <a:srgbClr val="FF00FF"/>
+                </a:highlight>
               </a:rPr>
               <a:t>bright</a:t>
             </a:r>
@@ -7981,7 +7979,7 @@
         </p:nvSpPr>
         <p:spPr bwMode="auto">
           <a:xfrm flipH="0" flipV="0">
-            <a:off x="9681363" y="2946539"/>
+            <a:off x="9609127" y="2964639"/>
             <a:ext cx="715970" cy="213719"/>
           </a:xfrm>
           <a:prstGeom prst="rect">
@@ -8077,7 +8075,7 @@
         </p:nvSpPr>
         <p:spPr bwMode="auto">
           <a:xfrm flipH="0" flipV="0">
-            <a:off x="6722343" y="2781295"/>
+            <a:off x="6725412" y="2762067"/>
             <a:ext cx="1000113" cy="228960"/>
           </a:xfrm>
           <a:prstGeom prst="rect">
@@ -8119,7 +8117,7 @@
         </p:nvSpPr>
         <p:spPr bwMode="auto">
           <a:xfrm flipH="0" flipV="0">
-            <a:off x="2476497" y="3714022"/>
+            <a:off x="2476496" y="3383099"/>
             <a:ext cx="973726" cy="305159"/>
           </a:xfrm>
           <a:prstGeom prst="rect">
@@ -8192,6 +8190,339 @@
               <a:t>*</a:t>
             </a:r>
             <a:endParaRPr sz="1100"/>
+          </a:p>
+        </p:txBody>
+      </p:sp>
+      <p:sp>
+        <p:nvSpPr>
+          <p:cNvPr id="1103816745" name=""/>
+          <p:cNvSpPr/>
+          <p:nvPr/>
+        </p:nvSpPr>
+        <p:spPr bwMode="auto">
+          <a:xfrm flipH="0" flipV="0">
+            <a:off x="114297" y="3768517"/>
+            <a:ext cx="247650" cy="305158"/>
+          </a:xfrm>
+          <a:prstGeom prst="rect">
+            <a:avLst/>
+          </a:prstGeom>
+          <a:solidFill>
+            <a:srgbClr val="0000FF">
+              <a:alpha val="99999"/>
+            </a:srgbClr>
+          </a:solidFill>
+          <a:ln w="12700" cap="flat" cmpd="sng" algn="ctr">
+            <a:noFill/>
+            <a:prstDash val="solid"/>
+            <a:miter lim="800000"/>
+          </a:ln>
+        </p:spPr>
+        <p:style>
+          <a:lnRef idx="2">
+            <a:schemeClr val="accent1">
+              <a:shade val="50000"/>
+            </a:schemeClr>
+          </a:lnRef>
+          <a:fillRef idx="1">
+            <a:schemeClr val="accent1"/>
+          </a:fillRef>
+          <a:effectRef idx="0">
+            <a:schemeClr val="accent1"/>
+          </a:effectRef>
+          <a:fontRef idx="minor">
+            <a:schemeClr val="lt1"/>
+          </a:fontRef>
+        </p:style>
+        <p:txBody>
+          <a:bodyPr/>
+          <a:p>
+            <a:pPr>
+              <a:defRPr/>
+            </a:pPr>
+            <a:endParaRPr/>
+          </a:p>
+        </p:txBody>
+      </p:sp>
+      <p:sp>
+        <p:nvSpPr>
+          <p:cNvPr id="1435512101" name=""/>
+          <p:cNvSpPr/>
+          <p:nvPr/>
+        </p:nvSpPr>
+        <p:spPr bwMode="auto">
+          <a:xfrm flipH="0" flipV="0">
+            <a:off x="6324140" y="3077703"/>
+            <a:ext cx="475934" cy="213637"/>
+          </a:xfrm>
+          <a:prstGeom prst="rect">
+            <a:avLst/>
+          </a:prstGeom>
+          <a:noFill/>
+          <a:ln w="12700" cap="flat" cmpd="sng" algn="ctr">
+            <a:noFill/>
+            <a:prstDash val="solid"/>
+            <a:miter lim="800000"/>
+          </a:ln>
+        </p:spPr>
+        <p:style>
+          <a:lnRef idx="2">
+            <a:schemeClr val="accent1">
+              <a:shade val="50000"/>
+            </a:schemeClr>
+          </a:lnRef>
+          <a:fillRef idx="1">
+            <a:schemeClr val="accent1"/>
+          </a:fillRef>
+          <a:effectRef idx="0">
+            <a:schemeClr val="accent1"/>
+          </a:effectRef>
+          <a:fontRef idx="minor">
+            <a:schemeClr val="lt1"/>
+          </a:fontRef>
+        </p:style>
+        <p:txBody>
+          <a:bodyPr/>
+          <a:p>
+            <a:pPr>
+              <a:defRPr/>
+            </a:pPr>
+            <a:r>
+              <a:rPr sz="800">
+                <a:solidFill>
+                  <a:schemeClr val="bg1"/>
+                </a:solidFill>
+                <a:highlight>
+                  <a:srgbClr val="0000FF"/>
+                </a:highlight>
+              </a:rPr>
+              <a:t>top</a:t>
+            </a:r>
+            <a:endParaRPr sz="1000"/>
+          </a:p>
+        </p:txBody>
+      </p:sp>
+      <p:sp>
+        <p:nvSpPr>
+          <p:cNvPr id="2069699847" name=""/>
+          <p:cNvSpPr/>
+          <p:nvPr/>
+        </p:nvSpPr>
+        <p:spPr bwMode="auto">
+          <a:xfrm flipH="0" flipV="0">
+            <a:off x="6800076" y="3077703"/>
+            <a:ext cx="553316" cy="213637"/>
+          </a:xfrm>
+          <a:prstGeom prst="rect">
+            <a:avLst/>
+          </a:prstGeom>
+          <a:noFill/>
+          <a:ln w="12700" cap="flat" cmpd="sng" algn="ctr">
+            <a:noFill/>
+            <a:prstDash val="solid"/>
+            <a:miter lim="800000"/>
+          </a:ln>
+        </p:spPr>
+        <p:style>
+          <a:lnRef idx="2">
+            <a:schemeClr val="accent1">
+              <a:shade val="50000"/>
+            </a:schemeClr>
+          </a:lnRef>
+          <a:fillRef idx="1">
+            <a:schemeClr val="accent1"/>
+          </a:fillRef>
+          <a:effectRef idx="0">
+            <a:schemeClr val="accent1"/>
+          </a:effectRef>
+          <a:fontRef idx="minor">
+            <a:schemeClr val="lt1"/>
+          </a:fontRef>
+        </p:style>
+        <p:txBody>
+          <a:bodyPr/>
+          <a:p>
+            <a:pPr>
+              <a:defRPr/>
+            </a:pPr>
+            <a:r>
+              <a:rPr sz="800">
+                <a:solidFill>
+                  <a:schemeClr val="bg1"/>
+                </a:solidFill>
+                <a:highlight>
+                  <a:srgbClr val="0000FF"/>
+                </a:highlight>
+              </a:rPr>
+              <a:t>bottom</a:t>
+            </a:r>
+            <a:endParaRPr sz="1000"/>
+          </a:p>
+        </p:txBody>
+      </p:sp>
+      <p:sp>
+        <p:nvSpPr>
+          <p:cNvPr id="1722521422" name=""/>
+          <p:cNvSpPr/>
+          <p:nvPr/>
+        </p:nvSpPr>
+        <p:spPr bwMode="auto">
+          <a:xfrm flipH="0" flipV="0">
+            <a:off x="2580303" y="3714022"/>
+            <a:ext cx="258142" cy="309699"/>
+          </a:xfrm>
+          <a:prstGeom prst="rect">
+            <a:avLst/>
+          </a:prstGeom>
+          <a:solidFill>
+            <a:srgbClr val="0000FF">
+              <a:alpha val="99999"/>
+            </a:srgbClr>
+          </a:solidFill>
+          <a:ln w="12700" cap="flat" cmpd="sng" algn="ctr">
+            <a:noFill/>
+            <a:prstDash val="solid"/>
+            <a:miter lim="800000"/>
+          </a:ln>
+        </p:spPr>
+        <p:style>
+          <a:lnRef idx="2">
+            <a:schemeClr val="accent1">
+              <a:shade val="50000"/>
+            </a:schemeClr>
+          </a:lnRef>
+          <a:fillRef idx="1">
+            <a:schemeClr val="accent1"/>
+          </a:fillRef>
+          <a:effectRef idx="0">
+            <a:schemeClr val="accent1"/>
+          </a:effectRef>
+          <a:fontRef idx="minor">
+            <a:schemeClr val="lt1"/>
+          </a:fontRef>
+        </p:style>
+        <p:txBody>
+          <a:bodyPr/>
+          <a:p>
+            <a:pPr>
+              <a:defRPr/>
+            </a:pPr>
+            <a:endParaRPr/>
+          </a:p>
+        </p:txBody>
+      </p:sp>
+      <p:sp>
+        <p:nvSpPr>
+          <p:cNvPr id="1601108121" name=""/>
+          <p:cNvSpPr/>
+          <p:nvPr/>
+        </p:nvSpPr>
+        <p:spPr bwMode="auto">
+          <a:xfrm flipH="0" flipV="0">
+            <a:off x="412749" y="2055671"/>
+            <a:ext cx="247649" cy="305157"/>
+          </a:xfrm>
+          <a:prstGeom prst="rect">
+            <a:avLst/>
+          </a:prstGeom>
+          <a:solidFill>
+            <a:srgbClr val="0000FF">
+              <a:alpha val="99999"/>
+            </a:srgbClr>
+          </a:solidFill>
+          <a:ln w="12700" cap="flat" cmpd="sng" algn="ctr">
+            <a:noFill/>
+            <a:prstDash val="solid"/>
+            <a:miter lim="800000"/>
+          </a:ln>
+        </p:spPr>
+        <p:style>
+          <a:lnRef idx="2">
+            <a:schemeClr val="accent1">
+              <a:shade val="50000"/>
+            </a:schemeClr>
+          </a:lnRef>
+          <a:fillRef idx="1">
+            <a:schemeClr val="accent1"/>
+          </a:fillRef>
+          <a:effectRef idx="0">
+            <a:schemeClr val="accent1"/>
+          </a:effectRef>
+          <a:fontRef idx="minor">
+            <a:schemeClr val="lt1"/>
+          </a:fontRef>
+        </p:style>
+        <p:txBody>
+          <a:bodyPr/>
+          <a:p>
+            <a:pPr>
+              <a:defRPr/>
+            </a:pPr>
+            <a:endParaRPr/>
+          </a:p>
+        </p:txBody>
+      </p:sp>
+      <p:sp>
+        <p:nvSpPr>
+          <p:cNvPr id="250559104" name=""/>
+          <p:cNvSpPr txBox="1"/>
+          <p:nvPr/>
+        </p:nvSpPr>
+        <p:spPr bwMode="auto">
+          <a:xfrm flipH="0" flipV="0">
+            <a:off x="4005099" y="3657602"/>
+            <a:ext cx="416199" cy="366119"/>
+          </a:xfrm>
+          <a:prstGeom prst="rect">
+            <a:avLst/>
+          </a:prstGeom>
+          <a:noFill/>
+        </p:spPr>
+        <p:txBody>
+          <a:bodyPr vertOverflow="overflow" horzOverflow="overflow" vert="horz" wrap="square" lIns="91440" tIns="45720" rIns="91440" bIns="45720" numCol="1" spcCol="0" rtlCol="0" fromWordArt="0" anchor="t" anchorCtr="0" forceAA="0" upright="0" compatLnSpc="0">
+            <a:spAutoFit/>
+          </a:bodyPr>
+          <a:p>
+            <a:pPr>
+              <a:defRPr/>
+            </a:pPr>
+            <a:r>
+              <a:rPr/>
+              <a:t>...</a:t>
+            </a:r>
+            <a:endParaRPr/>
+          </a:p>
+        </p:txBody>
+      </p:sp>
+      <p:sp>
+        <p:nvSpPr>
+          <p:cNvPr id="723604673" name=""/>
+          <p:cNvSpPr txBox="1"/>
+          <p:nvPr/>
+        </p:nvSpPr>
+        <p:spPr bwMode="auto">
+          <a:xfrm flipH="0" flipV="0">
+            <a:off x="5186021" y="3657602"/>
+            <a:ext cx="416558" cy="366119"/>
+          </a:xfrm>
+          <a:prstGeom prst="rect">
+            <a:avLst/>
+          </a:prstGeom>
+          <a:noFill/>
+        </p:spPr>
+        <p:txBody>
+          <a:bodyPr vertOverflow="overflow" horzOverflow="overflow" vert="horz" wrap="square" lIns="91440" tIns="45720" rIns="91440" bIns="45720" numCol="1" spcCol="0" rtlCol="0" fromWordArt="0" anchor="t" anchorCtr="0" forceAA="0" upright="0" compatLnSpc="0">
+            <a:spAutoFit/>
+          </a:bodyPr>
+          <a:p>
+            <a:pPr>
+              <a:defRPr/>
+            </a:pPr>
+            <a:r>
+              <a:rPr/>
+              <a:t>...</a:t>
+            </a:r>
+            <a:endParaRPr/>
           </a:p>
         </p:txBody>
       </p:sp>
